--- a/new-file-name.pptx
+++ b/new-file-name.pptx
@@ -28,6 +28,7 @@
     <p:sldId id="273" r:id="rId27"/>
     <p:sldId id="274" r:id="rId28"/>
     <p:sldId id="275" r:id="rId29"/>
+    <p:sldId id="276" r:id="rId30"/>
   </p:sldIdLst>
   <p:sldSz cx="9144000" cy="5715000" type="screen16x10"/>
   <p:notesSz cx="6858000" cy="9144000"/>
@@ -3316,7 +3317,7 @@
           <a:lstStyle/>
           <a:p>
             <a:r>
-              <a:t>사도행전 8장 9절</a:t>
+              <a:t>사도행전 8장 26절</a:t>
             </a:r>
           </a:p>
         </p:txBody>
@@ -3337,7 +3338,7 @@
           <a:lstStyle/>
           <a:p>
             <a:r>
-              <a:t>그 성에 시몬이라 하는 사람이 전부터 있어 마술을 행하여 사마리아 백성을 놀라게 하며 자칭 큰 자라 하니</a:t>
+              <a:t>주의 사자가 빌립에게 말하여 이르되 일어나서 남쪽으로 향하여 예루살렘에서 가사로 내려가는 길까지 가라 하니 그 길은 광야라</a:t>
             </a:r>
           </a:p>
         </p:txBody>
@@ -3376,7 +3377,7 @@
           <a:lstStyle/>
           <a:p>
             <a:r>
-              <a:t>사도행전 8장 18절</a:t>
+              <a:t>사도행전 8장 35절</a:t>
             </a:r>
           </a:p>
         </p:txBody>
@@ -3397,7 +3398,7 @@
           <a:lstStyle/>
           <a:p>
             <a:r>
-              <a:t>시몬이 사도들의 안수로 성령 받는 것을 보고 돈을 드려</a:t>
+              <a:t>빌립이 입을 열어 이 글에서 시작하여 예수를 가르쳐 복음을 전하니</a:t>
             </a:r>
           </a:p>
         </p:txBody>
@@ -3436,7 +3437,7 @@
           <a:lstStyle/>
           <a:p>
             <a:r>
-              <a:t>사도행전 8장 19절</a:t>
+              <a:t>사도행전 8장 36절</a:t>
             </a:r>
           </a:p>
         </p:txBody>
@@ -3457,7 +3458,7 @@
           <a:lstStyle/>
           <a:p>
             <a:r>
-              <a:t>이르되 이 권능을 내게도 주어 누구든지 내가 안수하는 사람은 성령을 받게 하여 주소서 하니</a:t>
+              <a:t>길 가다가 물 있는 곳에 이르러 그 내시가 말하되 보라 물이 있으니 내가 세례를 받음에 무슨 거리낌이 있느냐</a:t>
             </a:r>
           </a:p>
         </p:txBody>
@@ -3496,7 +3497,7 @@
           <a:lstStyle/>
           <a:p>
             <a:r>
-              <a:t>사도행전 8장 20절</a:t>
+              <a:t>사도행전 8장 37절</a:t>
             </a:r>
           </a:p>
         </p:txBody>
@@ -3517,7 +3518,7 @@
           <a:lstStyle/>
           <a:p>
             <a:r>
-              <a:t>베드로가 이르되 네가 하나님의 선물을 돈 주고 살 줄로 생각하였으니 네 은과 네가 함께 망할지어다</a:t>
+              <a:t>(없음)</a:t>
             </a:r>
           </a:p>
         </p:txBody>
@@ -3556,7 +3557,7 @@
           <a:lstStyle/>
           <a:p>
             <a:r>
-              <a:t>사도행전 8장 21절</a:t>
+              <a:t>사도행전 8장 38절</a:t>
             </a:r>
           </a:p>
         </p:txBody>
@@ -3577,7 +3578,7 @@
           <a:lstStyle/>
           <a:p>
             <a:r>
-              <a:t>하나님 앞에서 네 마음이 바르지 못하니 이 도에는 네가 관계도 없고 분깃 된 것도 없느니라</a:t>
+              <a:t>이에 명하여 수레를 멈추고 빌립과 내시가 둘 다 물에 내려가 빌립이 세례를 베풀고</a:t>
             </a:r>
           </a:p>
         </p:txBody>
@@ -3616,7 +3617,7 @@
           <a:lstStyle/>
           <a:p>
             <a:r>
-              <a:t>사도행전 8장 22절</a:t>
+              <a:t>사도행전 8장 39절</a:t>
             </a:r>
           </a:p>
         </p:txBody>
@@ -3637,7 +3638,7 @@
           <a:lstStyle/>
           <a:p>
             <a:r>
-              <a:t>그러므로 너의 이 악함을 회개하고 주께 기도하라 혹 마음에 품은 것을 사하여 주시리라</a:t>
+              <a:t>둘이 물에서 올라올새 주의 영이 빌립을 이끌어간지라 내시는 기쁘게 길을 가므로 그를 다시 보지 못하니라</a:t>
             </a:r>
           </a:p>
         </p:txBody>
@@ -3676,7 +3677,7 @@
           <a:lstStyle/>
           <a:p>
             <a:r>
-              <a:t>사도행전 8장 23절</a:t>
+              <a:t>사도행전 8장 40절</a:t>
             </a:r>
           </a:p>
         </p:txBody>
@@ -3697,7 +3698,7 @@
           <a:lstStyle/>
           <a:p>
             <a:r>
-              <a:t>내가 보니 너는 악독이 가득하여 불의에 매인 바 되었도다</a:t>
+              <a:t>빌립은 아소도에 나타나 여러 성을 지나 다니며 복음을 전하고 가이사랴에 이르니라</a:t>
             </a:r>
           </a:p>
         </p:txBody>
@@ -3736,7 +3737,7 @@
           <a:lstStyle/>
           <a:p>
             <a:r>
-              <a:t>사도행전 8장 24절</a:t>
+              <a:t>이사야 56장 3절</a:t>
             </a:r>
           </a:p>
         </p:txBody>
@@ -3757,7 +3758,7 @@
           <a:lstStyle/>
           <a:p>
             <a:r>
-              <a:t>시몬이 대답하여 이르되 나를 위하여 주께 기도하여 말한 것이 하나도 내게 임하지 않게 하소서 하니라</a:t>
+              <a:t>여호와께 연합한 이방인은 말하기를 여호와께서 나를 그의 백성 중에서 반드시 갈라내시리라 하지 말며, 고자도 말하기를 나는 마른 나무라 하지 말라</a:t>
             </a:r>
           </a:p>
         </p:txBody>
@@ -3796,7 +3797,7 @@
           <a:lstStyle/>
           <a:p>
             <a:r>
-              <a:t>사도행전 8장 12-13절</a:t>
+              <a:t>사도행전 8장 32-33절</a:t>
             </a:r>
           </a:p>
         </p:txBody>
@@ -3818,19 +3819,19 @@
           <a:p>
             <a:r>
               <a:rPr sz="3600"/>
-              <a:t>12</a:t>
-            </a:r>
-            <a:r>
-              <a:t> 빌립이 하나님 나라와 및 예수 그리스도의 이름에 관하여 전도함을 그들이 믿고, 남녀가 다 세례를 받으니</a:t>
+              <a:t>32</a:t>
+            </a:r>
+            <a:r>
+              <a:t> 읽는 성경 구절은 이것이니 일렀으되, 그가 도살장에게로 가는 양과 같이 끌려갔고 털 깎는 자 앞에 있는 어린 양이 조요함과 같이 그의 입을 열지 아니하였도다</a:t>
             </a:r>
           </a:p>
           <a:p>
             <a:r>
               <a:rPr sz="3600"/>
-              <a:t>13</a:t>
-            </a:r>
-            <a:r>
-              <a:t> 시몬도 믿고 세례를 받은 후에 전심으로 빌립을 따라 다니며, 그 나타나는 표적과 큰 능력을 보고 놀라니라</a:t>
+              <a:t>33</a:t>
+            </a:r>
+            <a:r>
+              <a:t> 그가 굴욕을 당했을 때 공정한 재판도 받지 못하였으니 누가 그의 세대를 말하리요. 그의 생명이 땅에서 빼앗김이로다 하였거늘</a:t>
             </a:r>
           </a:p>
         </p:txBody>
@@ -3869,7 +3870,7 @@
           <a:lstStyle/>
           <a:p>
             <a:r>
-              <a:t>사도행전 8장 18-19절</a:t>
+              <a:t>사도행전 8장 34절</a:t>
             </a:r>
           </a:p>
         </p:txBody>
@@ -3890,20 +3891,7 @@
           <a:lstStyle/>
           <a:p>
             <a:r>
-              <a:rPr sz="3600"/>
-              <a:t>18</a:t>
-            </a:r>
-            <a:r>
-              <a:t> 시몬이 사도들의 안수로 성령 받는 것을 보고 돈을 드려</a:t>
-            </a:r>
-          </a:p>
-          <a:p>
-            <a:r>
-              <a:rPr sz="3600"/>
-              <a:t>19</a:t>
-            </a:r>
-            <a:r>
-              <a:t> 이르되 이 권능을 내게도 주어, 누구든지 내가 안수하는 사람은 성령을 받게 하여 주소서 하니</a:t>
+              <a:t>그 내시가 빌립에게 말하되, 청컨대 내가 묻노니 선지자가 이 말한 것이 누구를 가리킴이냐. 자기를 가리킴이냐, 타인을 가리킴이냐</a:t>
             </a:r>
           </a:p>
         </p:txBody>
@@ -3942,7 +3930,7 @@
           <a:lstStyle/>
           <a:p>
             <a:r>
-              <a:t>사도행전 8장 20-21절</a:t>
+              <a:t>사도행전 8장 36-38절</a:t>
             </a:r>
           </a:p>
         </p:txBody>
@@ -3964,19 +3952,28 @@
           <a:p>
             <a:r>
               <a:rPr sz="3600"/>
-              <a:t>20</a:t>
-            </a:r>
-            <a:r>
-              <a:t> 베드로가 이르되, 네가 하나님의 선물을 돈 주고 살 줄로 생각하였으니, 네 은과 네가 함께 망할지어다</a:t>
+              <a:t>36</a:t>
+            </a:r>
+            <a:r>
+              <a:t> 길 가다가 물 있는 곳에 이르러 그 내시가 말하되, 보라! 물이 있으니 내가 세례를 받음에 무슨 거리낌이 있느냐</a:t>
             </a:r>
           </a:p>
           <a:p>
             <a:r>
               <a:rPr sz="3600"/>
-              <a:t>21</a:t>
-            </a:r>
-            <a:r>
-              <a:t> 하나님 앞에서 네 마음이 바르지 못하니, 이 도에는 네가 관계도 없고 분깃 될 것도 없느니라</a:t>
+              <a:t>37</a:t>
+            </a:r>
+            <a:r>
+              <a:t> (없음)</a:t>
+            </a:r>
+          </a:p>
+          <a:p>
+            <a:r>
+              <a:rPr sz="3600"/>
+              <a:t>38</a:t>
+            </a:r>
+            <a:r>
+              <a:t> 이에 명하여 수레를 멈추고 빌립과 내시가 둘 다 물에 내려가 빌립이 세례를 베풀고</a:t>
             </a:r>
           </a:p>
         </p:txBody>
@@ -4015,7 +4012,7 @@
           <a:lstStyle/>
           <a:p>
             <a:r>
-              <a:t>사도행전 8장 10절</a:t>
+              <a:t>사도행전 8장 27절</a:t>
             </a:r>
           </a:p>
         </p:txBody>
@@ -4036,7 +4033,7 @@
           <a:lstStyle/>
           <a:p>
             <a:r>
-              <a:t>낮은 사람부터 높은 사람까지 다 따르며 이르되 이 사람은 크다 일컫는 하나님의 능력이라 하더라</a:t>
+              <a:t>일어나 가서 보니 에디오피아 사람 곧 에디오피아 여왕 간다게의 모든 국고를 맡은 관리인 내시가 예배하러 예루살렘에 왔다가</a:t>
             </a:r>
           </a:p>
         </p:txBody>
@@ -4075,7 +4072,7 @@
           <a:lstStyle/>
           <a:p>
             <a:r>
-              <a:t>사도행전 8장 22-23절</a:t>
+              <a:t>사도행전 8장 37절</a:t>
             </a:r>
           </a:p>
         </p:txBody>
@@ -4096,20 +4093,67 @@
           <a:lstStyle/>
           <a:p>
             <a:r>
-              <a:rPr sz="3600"/>
-              <a:t>22</a:t>
-            </a:r>
-            <a:r>
-              <a:t> 그러므로 너의 이 악함을 회개하고 주께 기도하라. 혹 마음에 품은 것을 사하여 주시리라</a:t>
-            </a:r>
-          </a:p>
-          <a:p>
-            <a:r>
-              <a:rPr sz="3600"/>
-              <a:t>23</a:t>
-            </a:r>
-            <a:r>
-              <a:t> 내가 보니 너는 악독이 가득하며, 불의에 매인바 되었도다</a:t>
+              <a:t>빌립이 이르되, 만일 그대가 마음을 다하여 믿으면 받을 수 있으니라, 하니 그가 응답하여 이르되, 예수 그리스도께서 하나님의 아들이심을 내가 믿노라, 하니라.</a:t>
+            </a:r>
+          </a:p>
+        </p:txBody>
+      </p:sp>
+    </p:spTree>
+  </p:cSld>
+  <p:clrMapOvr>
+    <a:masterClrMapping/>
+  </p:clrMapOvr>
+</p:sld>
+</file>
+
+<file path=ppt/slides/slide21.xml><?xml version="1.0" encoding="utf-8"?>
+<p:sld xmlns:a="http://schemas.openxmlformats.org/drawingml/2006/main" xmlns:p="http://schemas.openxmlformats.org/presentationml/2006/main" xmlns:r="http://schemas.openxmlformats.org/officeDocument/2006/relationships">
+  <p:cSld>
+    <p:spTree>
+      <p:nvGrpSpPr>
+        <p:cNvPr id="1" name=""/>
+        <p:cNvGrpSpPr/>
+        <p:nvPr/>
+      </p:nvGrpSpPr>
+      <p:grpSpPr/>
+      <p:sp>
+        <p:nvSpPr>
+          <p:cNvPr id="2" name="Title 1"/>
+          <p:cNvSpPr>
+            <a:spLocks noGrp="1"/>
+          </p:cNvSpPr>
+          <p:nvPr>
+            <p:ph type="title"/>
+          </p:nvPr>
+        </p:nvSpPr>
+        <p:spPr/>
+        <p:txBody>
+          <a:bodyPr/>
+          <a:lstStyle/>
+          <a:p>
+            <a:r>
+              <a:t>고린도전서 9장 16절</a:t>
+            </a:r>
+          </a:p>
+        </p:txBody>
+      </p:sp>
+      <p:sp>
+        <p:nvSpPr>
+          <p:cNvPr id="3" name="Content Placeholder 2"/>
+          <p:cNvSpPr>
+            <a:spLocks noGrp="1"/>
+          </p:cNvSpPr>
+          <p:nvPr>
+            <p:ph idx="1"/>
+          </p:nvPr>
+        </p:nvSpPr>
+        <p:spPr/>
+        <p:txBody>
+          <a:bodyPr/>
+          <a:lstStyle/>
+          <a:p>
+            <a:r>
+              <a:t>내가 복음을 전할지라도 자랑할 것이 없음은 내가 부득불 할 일임이라. 만일 복음을 전하지 아니하면 내게 화가 있을 것이로다.</a:t>
             </a:r>
           </a:p>
         </p:txBody>
@@ -4148,7 +4192,7 @@
           <a:lstStyle/>
           <a:p>
             <a:r>
-              <a:t>사도행전 8장 11절</a:t>
+              <a:t>사도행전 8장 28절</a:t>
             </a:r>
           </a:p>
         </p:txBody>
@@ -4169,7 +4213,7 @@
           <a:lstStyle/>
           <a:p>
             <a:r>
-              <a:t>오랫동안 그 마술에 놀았으므로 그들이 따르더니</a:t>
+              <a:t>돌아가는데 수레를 타고 선지자 이사야의 글을 읽더라</a:t>
             </a:r>
           </a:p>
         </p:txBody>
@@ -4208,7 +4252,7 @@
           <a:lstStyle/>
           <a:p>
             <a:r>
-              <a:t>사도행전 8장 12절</a:t>
+              <a:t>사도행전 8장 29절</a:t>
             </a:r>
           </a:p>
         </p:txBody>
@@ -4229,7 +4273,7 @@
           <a:lstStyle/>
           <a:p>
             <a:r>
-              <a:t>빌립이 하나님 나라와 및 예수 그리스도의 이름에 관하여 전도함을 그들이 믿고 남녀가 다 세례를 받으니</a:t>
+              <a:t>성령이 빌립더러 이르시되 이 수레로 가까이 나아가라 하시거늘</a:t>
             </a:r>
           </a:p>
         </p:txBody>
@@ -4268,7 +4312,7 @@
           <a:lstStyle/>
           <a:p>
             <a:r>
-              <a:t>사도행전 8장 13절</a:t>
+              <a:t>사도행전 8장 30절</a:t>
             </a:r>
           </a:p>
         </p:txBody>
@@ -4289,7 +4333,7 @@
           <a:lstStyle/>
           <a:p>
             <a:r>
-              <a:t>시몬도 믿고 세례를 받은 후에 전심으로 빌립을 따라다니며 그 나타나는 표적과 큰 능력을 보고 놀라니라</a:t>
+              <a:t>빌립이 달려가서 선지자 이사야의 글 읽는 것을 듣고 말하되 읽는 것을 깨닫느냐</a:t>
             </a:r>
           </a:p>
         </p:txBody>
@@ -4328,7 +4372,7 @@
           <a:lstStyle/>
           <a:p>
             <a:r>
-              <a:t>사도행전 8장 14절</a:t>
+              <a:t>사도행전 8장 31절</a:t>
             </a:r>
           </a:p>
         </p:txBody>
@@ -4349,7 +4393,7 @@
           <a:lstStyle/>
           <a:p>
             <a:r>
-              <a:t>예루살렘에 있는 사도들이 사마리아도 하나님의 말씀을 받았다 함을 듣고 베드로와 요한을 보내매</a:t>
+              <a:t>대답하되 지도해 주는 사람이 없으니 어찌 깨달을 수 있느냐 하고 빌립을 청하여 수레에 올라 같이 앉으라 하니라</a:t>
             </a:r>
           </a:p>
         </p:txBody>
@@ -4388,7 +4432,7 @@
           <a:lstStyle/>
           <a:p>
             <a:r>
-              <a:t>사도행전 8장 15절</a:t>
+              <a:t>사도행전 8장 32절</a:t>
             </a:r>
           </a:p>
         </p:txBody>
@@ -4409,7 +4453,7 @@
           <a:lstStyle/>
           <a:p>
             <a:r>
-              <a:t>그들이 내려가서 그들을 위하여 성령 받기를 기도하니</a:t>
+              <a:t>읽는 성경 구절은 이것이니 일렀으되 그가 도살자에게로 가는 양과 같이 끌려갔고 털 깎는 자 앞에 있는 어린 양이 조용함과 같이 그의 입을 열지 아니하였도다</a:t>
             </a:r>
           </a:p>
         </p:txBody>
@@ -4448,7 +4492,7 @@
           <a:lstStyle/>
           <a:p>
             <a:r>
-              <a:t>사도행전 8장 16절</a:t>
+              <a:t>사도행전 8장 33절</a:t>
             </a:r>
           </a:p>
         </p:txBody>
@@ -4469,7 +4513,7 @@
           <a:lstStyle/>
           <a:p>
             <a:r>
-              <a:t>이는 아직 한 사람에게도 성령 내리신 일이 없고 오직 주 예수의 이름으로 세례만 받을 뿐이더라</a:t>
+              <a:t>그가 굴욕을 당했을 때 공정한 재판도 받지 못하였으니 누가 그의 세대를 말하리요 그의 생명이 땅에서 빼앗김이로다 하였거늘</a:t>
             </a:r>
           </a:p>
         </p:txBody>
@@ -4508,7 +4552,7 @@
           <a:lstStyle/>
           <a:p>
             <a:r>
-              <a:t>사도행전 8장 17절</a:t>
+              <a:t>사도행전 8장 34절</a:t>
             </a:r>
           </a:p>
         </p:txBody>
@@ -4529,7 +4573,7 @@
           <a:lstStyle/>
           <a:p>
             <a:r>
-              <a:t>이에 두 사도가 그들에게 안수하매 성령을 받는지라</a:t>
+              <a:t>그 내시가 빌립에게 대답하여 말하되 청컨대 내가 묻노니 선지자가 이 말한 것이 누구를 가리킴이냐 자기를 가리킴이냐 타인을 가리킴이냐</a:t>
             </a:r>
           </a:p>
         </p:txBody>

--- a/new-file-name.pptx
+++ b/new-file-name.pptx
@@ -23,14 +23,8 @@
     <p:sldId id="268" r:id="rId22"/>
     <p:sldId id="269" r:id="rId23"/>
     <p:sldId id="270" r:id="rId24"/>
-    <p:sldId id="271" r:id="rId25"/>
-    <p:sldId id="272" r:id="rId26"/>
-    <p:sldId id="273" r:id="rId27"/>
-    <p:sldId id="274" r:id="rId28"/>
-    <p:sldId id="275" r:id="rId29"/>
-    <p:sldId id="276" r:id="rId30"/>
   </p:sldIdLst>
-  <p:sldSz cx="9144000" cy="5715000" type="screen16x10"/>
+  <p:sldSz cx="10160000" cy="5715000"/>
   <p:notesSz cx="6858000" cy="9144000"/>
   <p:defaultTextStyle>
     <a:defPPr>
@@ -220,7 +214,7 @@
           <a:p>
             <a:fld id="{712EFCBD-FD29-4784-B0D7-57F7C2759831}" type="datetimeFigureOut">
               <a:rPr lang="ko-KR" altLang="en-US" smtClean="0"/>
-              <a:t>2020-09-27</a:t>
+              <a:t>2021-01-23</a:t>
             </a:fld>
             <a:endParaRPr lang="ko-KR" altLang="en-US"/>
           </a:p>
@@ -238,8 +232,8 @@
         </p:nvSpPr>
         <p:spPr>
           <a:xfrm>
-            <a:off x="960438" y="1143000"/>
-            <a:ext cx="4937125" cy="3086100"/>
+            <a:off x="685800" y="1143000"/>
+            <a:ext cx="5486400" cy="3086100"/>
           </a:xfrm>
           <a:prstGeom prst="rect">
             <a:avLst/>
@@ -516,8 +510,8 @@
         </p:nvSpPr>
         <p:spPr>
           <a:xfrm>
-            <a:off x="612000" y="1333500"/>
-            <a:ext cx="7920000" cy="1260000"/>
+            <a:off x="680000" y="1333500"/>
+            <a:ext cx="8800000" cy="1260000"/>
           </a:xfrm>
         </p:spPr>
         <p:txBody>
@@ -526,7 +520,7 @@
           </a:bodyPr>
           <a:lstStyle>
             <a:lvl1pPr algn="ctr">
-              <a:defRPr sz="8000">
+              <a:defRPr sz="10000">
                 <a:latin typeface="나눔고딕 ExtraBold" panose="020D0904000000000000" pitchFamily="50" charset="-127"/>
                 <a:ea typeface="나눔고딕 ExtraBold" panose="020D0904000000000000" pitchFamily="50" charset="-127"/>
               </a:defRPr>
@@ -554,7 +548,7 @@
         <p:spPr>
           <a:xfrm>
             <a:off x="0" y="3038400"/>
-            <a:ext cx="9144000" cy="720000"/>
+            <a:ext cx="10160000" cy="720000"/>
           </a:xfrm>
         </p:spPr>
         <p:txBody>
@@ -564,42 +558,42 @@
           <a:lstStyle>
             <a:lvl1pPr marL="0" indent="0" algn="ctr">
               <a:buNone/>
-              <a:defRPr sz="4000">
+              <a:defRPr sz="3600">
                 <a:latin typeface="나눔고딕 ExtraBold" panose="020D0904000000000000" pitchFamily="50" charset="-127"/>
                 <a:ea typeface="나눔고딕 ExtraBold" panose="020D0904000000000000" pitchFamily="50" charset="-127"/>
               </a:defRPr>
             </a:lvl1pPr>
-            <a:lvl2pPr marL="342900" indent="0" algn="ctr">
+            <a:lvl2pPr marL="380996" indent="0" algn="ctr">
+              <a:buNone/>
+              <a:defRPr sz="1667"/>
+            </a:lvl2pPr>
+            <a:lvl3pPr marL="761992" indent="0" algn="ctr">
               <a:buNone/>
               <a:defRPr sz="1500"/>
-            </a:lvl2pPr>
-            <a:lvl3pPr marL="685800" indent="0" algn="ctr">
-              <a:buNone/>
-              <a:defRPr sz="1350"/>
             </a:lvl3pPr>
-            <a:lvl4pPr marL="1028700" indent="0" algn="ctr">
-              <a:buNone/>
-              <a:defRPr sz="1200"/>
+            <a:lvl4pPr marL="1142989" indent="0" algn="ctr">
+              <a:buNone/>
+              <a:defRPr sz="1333"/>
             </a:lvl4pPr>
-            <a:lvl5pPr marL="1371600" indent="0" algn="ctr">
-              <a:buNone/>
-              <a:defRPr sz="1200"/>
+            <a:lvl5pPr marL="1523985" indent="0" algn="ctr">
+              <a:buNone/>
+              <a:defRPr sz="1333"/>
             </a:lvl5pPr>
-            <a:lvl6pPr marL="1714500" indent="0" algn="ctr">
-              <a:buNone/>
-              <a:defRPr sz="1200"/>
+            <a:lvl6pPr marL="1904981" indent="0" algn="ctr">
+              <a:buNone/>
+              <a:defRPr sz="1333"/>
             </a:lvl6pPr>
-            <a:lvl7pPr marL="2057400" indent="0" algn="ctr">
-              <a:buNone/>
-              <a:defRPr sz="1200"/>
+            <a:lvl7pPr marL="2285977" indent="0" algn="ctr">
+              <a:buNone/>
+              <a:defRPr sz="1333"/>
             </a:lvl7pPr>
-            <a:lvl8pPr marL="2400300" indent="0" algn="ctr">
-              <a:buNone/>
-              <a:defRPr sz="1200"/>
+            <a:lvl8pPr marL="2666973" indent="0" algn="ctr">
+              <a:buNone/>
+              <a:defRPr sz="1333"/>
             </a:lvl8pPr>
-            <a:lvl9pPr marL="2743200" indent="0" algn="ctr">
-              <a:buNone/>
-              <a:defRPr sz="1200"/>
+            <a:lvl9pPr marL="3047970" indent="0" algn="ctr">
+              <a:buNone/>
+              <a:defRPr sz="1333"/>
             </a:lvl9pPr>
           </a:lstStyle>
           <a:p>
@@ -639,8 +633,8 @@
         </p:blipFill>
         <p:spPr>
           <a:xfrm>
-            <a:off x="4081117" y="5161756"/>
-            <a:ext cx="1004656" cy="542791"/>
+            <a:off x="4534575" y="5161757"/>
+            <a:ext cx="1116284" cy="542791"/>
           </a:xfrm>
           <a:prstGeom prst="rect">
             <a:avLst/>
@@ -785,7 +779,7 @@
           <a:p>
             <a:fld id="{C9F3244D-FF4B-4F20-B6B2-61D983D16381}" type="datetimeFigureOut">
               <a:rPr lang="ko-KR" altLang="en-US" smtClean="0"/>
-              <a:t>2020-09-27</a:t>
+              <a:t>2021-01-23</a:t>
             </a:fld>
             <a:endParaRPr lang="ko-KR" altLang="en-US"/>
           </a:p>
@@ -875,8 +869,8 @@
         </p:nvSpPr>
         <p:spPr>
           <a:xfrm>
-            <a:off x="6543675" y="304271"/>
-            <a:ext cx="1971675" cy="4843198"/>
+            <a:off x="7270751" y="304271"/>
+            <a:ext cx="2190750" cy="4843198"/>
           </a:xfrm>
         </p:spPr>
         <p:txBody>
@@ -903,8 +897,8 @@
         </p:nvSpPr>
         <p:spPr>
           <a:xfrm>
-            <a:off x="628650" y="304271"/>
-            <a:ext cx="5800725" cy="4843198"/>
+            <a:off x="698501" y="304271"/>
+            <a:ext cx="6445250" cy="4843198"/>
           </a:xfrm>
         </p:spPr>
         <p:txBody>
@@ -965,7 +959,7 @@
           <a:p>
             <a:fld id="{C9F3244D-FF4B-4F20-B6B2-61D983D16381}" type="datetimeFigureOut">
               <a:rPr lang="ko-KR" altLang="en-US" smtClean="0"/>
-              <a:t>2020-09-27</a:t>
+              <a:t>2021-01-23</a:t>
             </a:fld>
             <a:endParaRPr lang="ko-KR" altLang="en-US"/>
           </a:p>
@@ -1055,12 +1049,12 @@
         </p:nvSpPr>
         <p:spPr>
           <a:xfrm>
-            <a:off x="0" y="13308"/>
-            <a:ext cx="6120000" cy="576000"/>
+            <a:off x="252000" y="72000"/>
+            <a:ext cx="7200000" cy="540000"/>
           </a:xfrm>
         </p:spPr>
         <p:txBody>
-          <a:bodyPr anchor="b" anchorCtr="0">
+          <a:bodyPr anchor="ctr" anchorCtr="0">
             <a:normAutofit/>
           </a:bodyPr>
           <a:lstStyle>
@@ -1118,16 +1112,16 @@
         </p:nvSpPr>
         <p:spPr>
           <a:xfrm>
-            <a:off x="0" y="612000"/>
-            <a:ext cx="9144000" cy="5040000"/>
+            <a:off x="252000" y="612000"/>
+            <a:ext cx="9720000" cy="5040000"/>
           </a:xfrm>
         </p:spPr>
         <p:txBody>
-          <a:bodyPr lIns="360000" rIns="180000">
+          <a:bodyPr lIns="72000" rIns="72000">
             <a:normAutofit/>
           </a:bodyPr>
           <a:lstStyle>
-            <a:lvl1pPr marL="0" indent="360000">
+            <a:lvl1pPr marL="0" indent="399996">
               <a:lnSpc>
                 <a:spcPct val="100000"/>
               </a:lnSpc>
@@ -1144,19 +1138,19 @@
                 <a:ea typeface="맑은 고딕" panose="020B0503020000020004" pitchFamily="50" charset="-127"/>
               </a:defRPr>
             </a:lvl1pPr>
-            <a:lvl2pPr marL="342900" indent="0">
+            <a:lvl2pPr marL="380996" indent="0">
               <a:buNone/>
               <a:defRPr/>
             </a:lvl2pPr>
-            <a:lvl3pPr marL="685800" indent="0">
+            <a:lvl3pPr marL="761992" indent="0">
               <a:buNone/>
               <a:defRPr/>
             </a:lvl3pPr>
-            <a:lvl4pPr marL="1028700" indent="0">
+            <a:lvl4pPr marL="1142989" indent="0">
               <a:buNone/>
               <a:defRPr/>
             </a:lvl4pPr>
-            <a:lvl5pPr marL="1371600" indent="0">
+            <a:lvl5pPr marL="1523985" indent="0">
               <a:buNone/>
               <a:defRPr/>
             </a:lvl5pPr>
@@ -1259,12 +1253,12 @@
         </p:nvSpPr>
         <p:spPr>
           <a:xfrm>
-            <a:off x="0" y="13308"/>
-            <a:ext cx="6120000" cy="576000"/>
+            <a:off x="252000" y="72000"/>
+            <a:ext cx="7200000" cy="540000"/>
           </a:xfrm>
         </p:spPr>
         <p:txBody>
-          <a:bodyPr anchor="b" anchorCtr="0">
+          <a:bodyPr anchor="ctr" anchorCtr="0">
             <a:normAutofit/>
           </a:bodyPr>
           <a:lstStyle>
@@ -1328,8 +1322,8 @@
         </p:nvSpPr>
         <p:spPr>
           <a:xfrm>
-            <a:off x="0" y="612000"/>
-            <a:ext cx="9144000" cy="5040000"/>
+            <a:off x="252000" y="612000"/>
+            <a:ext cx="9720000" cy="5040000"/>
           </a:xfrm>
         </p:spPr>
         <p:txBody>
@@ -1337,7 +1331,7 @@
             <a:normAutofit/>
           </a:bodyPr>
           <a:lstStyle>
-            <a:lvl1pPr marL="360000" indent="-360000">
+            <a:lvl1pPr marL="399996" indent="-399996">
               <a:lnSpc>
                 <a:spcPct val="100000"/>
               </a:lnSpc>
@@ -1354,19 +1348,19 @@
                 <a:ea typeface="맑은 고딕" panose="020B0503020000020004" pitchFamily="50" charset="-127"/>
               </a:defRPr>
             </a:lvl1pPr>
-            <a:lvl2pPr marL="342900" indent="0">
+            <a:lvl2pPr marL="380996" indent="0">
               <a:buNone/>
               <a:defRPr/>
             </a:lvl2pPr>
-            <a:lvl3pPr marL="685800" indent="0">
+            <a:lvl3pPr marL="761992" indent="0">
               <a:buNone/>
               <a:defRPr/>
             </a:lvl3pPr>
-            <a:lvl4pPr marL="1028700" indent="0">
+            <a:lvl4pPr marL="1142989" indent="0">
               <a:buNone/>
               <a:defRPr/>
             </a:lvl4pPr>
-            <a:lvl5pPr marL="1371600" indent="0">
+            <a:lvl5pPr marL="1523985" indent="0">
               <a:buNone/>
               <a:defRPr/>
             </a:lvl5pPr>
@@ -1457,8 +1451,8 @@
         </p:nvSpPr>
         <p:spPr>
           <a:xfrm>
-            <a:off x="628650" y="1521354"/>
-            <a:ext cx="3886200" cy="3626115"/>
+            <a:off x="698500" y="1521355"/>
+            <a:ext cx="4318000" cy="3626115"/>
           </a:xfrm>
         </p:spPr>
         <p:txBody>
@@ -1514,8 +1508,8 @@
         </p:nvSpPr>
         <p:spPr>
           <a:xfrm>
-            <a:off x="4629150" y="1521354"/>
-            <a:ext cx="3886200" cy="3626115"/>
+            <a:off x="5143500" y="1521355"/>
+            <a:ext cx="4318000" cy="3626115"/>
           </a:xfrm>
         </p:spPr>
         <p:txBody>
@@ -1576,7 +1570,7 @@
           <a:p>
             <a:fld id="{C9F3244D-FF4B-4F20-B6B2-61D983D16381}" type="datetimeFigureOut">
               <a:rPr lang="ko-KR" altLang="en-US" smtClean="0"/>
-              <a:t>2020-09-27</a:t>
+              <a:t>2021-01-23</a:t>
             </a:fld>
             <a:endParaRPr lang="ko-KR" altLang="en-US"/>
           </a:p>
@@ -1666,8 +1660,8 @@
         </p:nvSpPr>
         <p:spPr>
           <a:xfrm>
-            <a:off x="629841" y="304271"/>
-            <a:ext cx="7886700" cy="1104636"/>
+            <a:off x="699823" y="304271"/>
+            <a:ext cx="8763000" cy="1104636"/>
           </a:xfrm>
         </p:spPr>
         <p:txBody>
@@ -1694,8 +1688,8 @@
         </p:nvSpPr>
         <p:spPr>
           <a:xfrm>
-            <a:off x="629842" y="1400969"/>
-            <a:ext cx="3868340" cy="686593"/>
+            <a:off x="699824" y="1400970"/>
+            <a:ext cx="4298156" cy="686593"/>
           </a:xfrm>
         </p:spPr>
         <p:txBody>
@@ -1703,39 +1697,39 @@
           <a:lstStyle>
             <a:lvl1pPr marL="0" indent="0">
               <a:buNone/>
-              <a:defRPr sz="1800" b="1"/>
+              <a:defRPr sz="2000" b="1"/>
             </a:lvl1pPr>
-            <a:lvl2pPr marL="342900" indent="0">
+            <a:lvl2pPr marL="380996" indent="0">
+              <a:buNone/>
+              <a:defRPr sz="1667" b="1"/>
+            </a:lvl2pPr>
+            <a:lvl3pPr marL="761992" indent="0">
               <a:buNone/>
               <a:defRPr sz="1500" b="1"/>
-            </a:lvl2pPr>
-            <a:lvl3pPr marL="685800" indent="0">
-              <a:buNone/>
-              <a:defRPr sz="1350" b="1"/>
             </a:lvl3pPr>
-            <a:lvl4pPr marL="1028700" indent="0">
-              <a:buNone/>
-              <a:defRPr sz="1200" b="1"/>
+            <a:lvl4pPr marL="1142989" indent="0">
+              <a:buNone/>
+              <a:defRPr sz="1333" b="1"/>
             </a:lvl4pPr>
-            <a:lvl5pPr marL="1371600" indent="0">
-              <a:buNone/>
-              <a:defRPr sz="1200" b="1"/>
+            <a:lvl5pPr marL="1523985" indent="0">
+              <a:buNone/>
+              <a:defRPr sz="1333" b="1"/>
             </a:lvl5pPr>
-            <a:lvl6pPr marL="1714500" indent="0">
-              <a:buNone/>
-              <a:defRPr sz="1200" b="1"/>
+            <a:lvl6pPr marL="1904981" indent="0">
+              <a:buNone/>
+              <a:defRPr sz="1333" b="1"/>
             </a:lvl6pPr>
-            <a:lvl7pPr marL="2057400" indent="0">
-              <a:buNone/>
-              <a:defRPr sz="1200" b="1"/>
+            <a:lvl7pPr marL="2285977" indent="0">
+              <a:buNone/>
+              <a:defRPr sz="1333" b="1"/>
             </a:lvl7pPr>
-            <a:lvl8pPr marL="2400300" indent="0">
-              <a:buNone/>
-              <a:defRPr sz="1200" b="1"/>
+            <a:lvl8pPr marL="2666973" indent="0">
+              <a:buNone/>
+              <a:defRPr sz="1333" b="1"/>
             </a:lvl8pPr>
-            <a:lvl9pPr marL="2743200" indent="0">
-              <a:buNone/>
-              <a:defRPr sz="1200" b="1"/>
+            <a:lvl9pPr marL="3047970" indent="0">
+              <a:buNone/>
+              <a:defRPr sz="1333" b="1"/>
             </a:lvl9pPr>
           </a:lstStyle>
           <a:p>
@@ -1759,8 +1753,8 @@
         </p:nvSpPr>
         <p:spPr>
           <a:xfrm>
-            <a:off x="629842" y="2087563"/>
-            <a:ext cx="3868340" cy="3070490"/>
+            <a:off x="699824" y="2087563"/>
+            <a:ext cx="4298156" cy="3070490"/>
           </a:xfrm>
         </p:spPr>
         <p:txBody>
@@ -1816,8 +1810,8 @@
         </p:nvSpPr>
         <p:spPr>
           <a:xfrm>
-            <a:off x="4629150" y="1400969"/>
-            <a:ext cx="3887391" cy="686593"/>
+            <a:off x="5143501" y="1400970"/>
+            <a:ext cx="4319323" cy="686593"/>
           </a:xfrm>
         </p:spPr>
         <p:txBody>
@@ -1825,39 +1819,39 @@
           <a:lstStyle>
             <a:lvl1pPr marL="0" indent="0">
               <a:buNone/>
-              <a:defRPr sz="1800" b="1"/>
+              <a:defRPr sz="2000" b="1"/>
             </a:lvl1pPr>
-            <a:lvl2pPr marL="342900" indent="0">
+            <a:lvl2pPr marL="380996" indent="0">
+              <a:buNone/>
+              <a:defRPr sz="1667" b="1"/>
+            </a:lvl2pPr>
+            <a:lvl3pPr marL="761992" indent="0">
               <a:buNone/>
               <a:defRPr sz="1500" b="1"/>
-            </a:lvl2pPr>
-            <a:lvl3pPr marL="685800" indent="0">
-              <a:buNone/>
-              <a:defRPr sz="1350" b="1"/>
             </a:lvl3pPr>
-            <a:lvl4pPr marL="1028700" indent="0">
-              <a:buNone/>
-              <a:defRPr sz="1200" b="1"/>
+            <a:lvl4pPr marL="1142989" indent="0">
+              <a:buNone/>
+              <a:defRPr sz="1333" b="1"/>
             </a:lvl4pPr>
-            <a:lvl5pPr marL="1371600" indent="0">
-              <a:buNone/>
-              <a:defRPr sz="1200" b="1"/>
+            <a:lvl5pPr marL="1523985" indent="0">
+              <a:buNone/>
+              <a:defRPr sz="1333" b="1"/>
             </a:lvl5pPr>
-            <a:lvl6pPr marL="1714500" indent="0">
-              <a:buNone/>
-              <a:defRPr sz="1200" b="1"/>
+            <a:lvl6pPr marL="1904981" indent="0">
+              <a:buNone/>
+              <a:defRPr sz="1333" b="1"/>
             </a:lvl6pPr>
-            <a:lvl7pPr marL="2057400" indent="0">
-              <a:buNone/>
-              <a:defRPr sz="1200" b="1"/>
+            <a:lvl7pPr marL="2285977" indent="0">
+              <a:buNone/>
+              <a:defRPr sz="1333" b="1"/>
             </a:lvl7pPr>
-            <a:lvl8pPr marL="2400300" indent="0">
-              <a:buNone/>
-              <a:defRPr sz="1200" b="1"/>
+            <a:lvl8pPr marL="2666973" indent="0">
+              <a:buNone/>
+              <a:defRPr sz="1333" b="1"/>
             </a:lvl8pPr>
-            <a:lvl9pPr marL="2743200" indent="0">
-              <a:buNone/>
-              <a:defRPr sz="1200" b="1"/>
+            <a:lvl9pPr marL="3047970" indent="0">
+              <a:buNone/>
+              <a:defRPr sz="1333" b="1"/>
             </a:lvl9pPr>
           </a:lstStyle>
           <a:p>
@@ -1881,8 +1875,8 @@
         </p:nvSpPr>
         <p:spPr>
           <a:xfrm>
-            <a:off x="4629150" y="2087563"/>
-            <a:ext cx="3887391" cy="3070490"/>
+            <a:off x="5143501" y="2087563"/>
+            <a:ext cx="4319323" cy="3070490"/>
           </a:xfrm>
         </p:spPr>
         <p:txBody>
@@ -1943,7 +1937,7 @@
           <a:p>
             <a:fld id="{C9F3244D-FF4B-4F20-B6B2-61D983D16381}" type="datetimeFigureOut">
               <a:rPr lang="ko-KR" altLang="en-US" smtClean="0"/>
-              <a:t>2020-09-27</a:t>
+              <a:t>2021-01-23</a:t>
             </a:fld>
             <a:endParaRPr lang="ko-KR" altLang="en-US"/>
           </a:p>
@@ -2061,7 +2055,7 @@
           <a:p>
             <a:fld id="{C9F3244D-FF4B-4F20-B6B2-61D983D16381}" type="datetimeFigureOut">
               <a:rPr lang="ko-KR" altLang="en-US" smtClean="0"/>
-              <a:t>2020-09-27</a:t>
+              <a:t>2021-01-23</a:t>
             </a:fld>
             <a:endParaRPr lang="ko-KR" altLang="en-US"/>
           </a:p>
@@ -2156,7 +2150,7 @@
           <a:p>
             <a:fld id="{C9F3244D-FF4B-4F20-B6B2-61D983D16381}" type="datetimeFigureOut">
               <a:rPr lang="ko-KR" altLang="en-US" smtClean="0"/>
-              <a:t>2020-09-27</a:t>
+              <a:t>2021-01-23</a:t>
             </a:fld>
             <a:endParaRPr lang="ko-KR" altLang="en-US"/>
           </a:p>
@@ -2246,15 +2240,15 @@
         </p:nvSpPr>
         <p:spPr>
           <a:xfrm>
-            <a:off x="629841" y="381000"/>
-            <a:ext cx="2949178" cy="1333500"/>
+            <a:off x="699824" y="381000"/>
+            <a:ext cx="3276864" cy="1333500"/>
           </a:xfrm>
         </p:spPr>
         <p:txBody>
           <a:bodyPr anchor="b"/>
           <a:lstStyle>
             <a:lvl1pPr>
-              <a:defRPr sz="2400"/>
+              <a:defRPr sz="2667"/>
             </a:lvl1pPr>
           </a:lstStyle>
           <a:p>
@@ -2278,39 +2272,39 @@
         </p:nvSpPr>
         <p:spPr>
           <a:xfrm>
-            <a:off x="3887391" y="822855"/>
-            <a:ext cx="4629150" cy="4061354"/>
+            <a:off x="4319323" y="822855"/>
+            <a:ext cx="5143500" cy="4061354"/>
           </a:xfrm>
         </p:spPr>
         <p:txBody>
           <a:bodyPr/>
           <a:lstStyle>
             <a:lvl1pPr>
-              <a:defRPr sz="2400"/>
+              <a:defRPr sz="2667"/>
             </a:lvl1pPr>
             <a:lvl2pPr>
-              <a:defRPr sz="2100"/>
+              <a:defRPr sz="2333"/>
             </a:lvl2pPr>
             <a:lvl3pPr>
-              <a:defRPr sz="1800"/>
+              <a:defRPr sz="2000"/>
             </a:lvl3pPr>
             <a:lvl4pPr>
-              <a:defRPr sz="1500"/>
+              <a:defRPr sz="1667"/>
             </a:lvl4pPr>
             <a:lvl5pPr>
-              <a:defRPr sz="1500"/>
+              <a:defRPr sz="1667"/>
             </a:lvl5pPr>
             <a:lvl6pPr>
-              <a:defRPr sz="1500"/>
+              <a:defRPr sz="1667"/>
             </a:lvl6pPr>
             <a:lvl7pPr>
-              <a:defRPr sz="1500"/>
+              <a:defRPr sz="1667"/>
             </a:lvl7pPr>
             <a:lvl8pPr>
-              <a:defRPr sz="1500"/>
+              <a:defRPr sz="1667"/>
             </a:lvl8pPr>
             <a:lvl9pPr>
-              <a:defRPr sz="1500"/>
+              <a:defRPr sz="1667"/>
             </a:lvl9pPr>
           </a:lstStyle>
           <a:p>
@@ -2363,8 +2357,8 @@
         </p:nvSpPr>
         <p:spPr>
           <a:xfrm>
-            <a:off x="629841" y="1714500"/>
-            <a:ext cx="2949178" cy="3176323"/>
+            <a:off x="699824" y="1714500"/>
+            <a:ext cx="3276864" cy="3176323"/>
           </a:xfrm>
         </p:spPr>
         <p:txBody>
@@ -2372,39 +2366,39 @@
           <a:lstStyle>
             <a:lvl1pPr marL="0" indent="0">
               <a:buNone/>
-              <a:defRPr sz="1200"/>
+              <a:defRPr sz="1333"/>
             </a:lvl1pPr>
-            <a:lvl2pPr marL="342900" indent="0">
-              <a:buNone/>
-              <a:defRPr sz="1050"/>
+            <a:lvl2pPr marL="380996" indent="0">
+              <a:buNone/>
+              <a:defRPr sz="1167"/>
             </a:lvl2pPr>
-            <a:lvl3pPr marL="685800" indent="0">
-              <a:buNone/>
-              <a:defRPr sz="900"/>
+            <a:lvl3pPr marL="761992" indent="0">
+              <a:buNone/>
+              <a:defRPr sz="1000"/>
             </a:lvl3pPr>
-            <a:lvl4pPr marL="1028700" indent="0">
-              <a:buNone/>
-              <a:defRPr sz="750"/>
+            <a:lvl4pPr marL="1142989" indent="0">
+              <a:buNone/>
+              <a:defRPr sz="833"/>
             </a:lvl4pPr>
-            <a:lvl5pPr marL="1371600" indent="0">
-              <a:buNone/>
-              <a:defRPr sz="750"/>
+            <a:lvl5pPr marL="1523985" indent="0">
+              <a:buNone/>
+              <a:defRPr sz="833"/>
             </a:lvl5pPr>
-            <a:lvl6pPr marL="1714500" indent="0">
-              <a:buNone/>
-              <a:defRPr sz="750"/>
+            <a:lvl6pPr marL="1904981" indent="0">
+              <a:buNone/>
+              <a:defRPr sz="833"/>
             </a:lvl6pPr>
-            <a:lvl7pPr marL="2057400" indent="0">
-              <a:buNone/>
-              <a:defRPr sz="750"/>
+            <a:lvl7pPr marL="2285977" indent="0">
+              <a:buNone/>
+              <a:defRPr sz="833"/>
             </a:lvl7pPr>
-            <a:lvl8pPr marL="2400300" indent="0">
-              <a:buNone/>
-              <a:defRPr sz="750"/>
+            <a:lvl8pPr marL="2666973" indent="0">
+              <a:buNone/>
+              <a:defRPr sz="833"/>
             </a:lvl8pPr>
-            <a:lvl9pPr marL="2743200" indent="0">
-              <a:buNone/>
-              <a:defRPr sz="750"/>
+            <a:lvl9pPr marL="3047970" indent="0">
+              <a:buNone/>
+              <a:defRPr sz="833"/>
             </a:lvl9pPr>
           </a:lstStyle>
           <a:p>
@@ -2433,7 +2427,7 @@
           <a:p>
             <a:fld id="{C9F3244D-FF4B-4F20-B6B2-61D983D16381}" type="datetimeFigureOut">
               <a:rPr lang="ko-KR" altLang="en-US" smtClean="0"/>
-              <a:t>2020-09-27</a:t>
+              <a:t>2021-01-23</a:t>
             </a:fld>
             <a:endParaRPr lang="ko-KR" altLang="en-US"/>
           </a:p>
@@ -2523,15 +2517,15 @@
         </p:nvSpPr>
         <p:spPr>
           <a:xfrm>
-            <a:off x="629841" y="381000"/>
-            <a:ext cx="2949178" cy="1333500"/>
+            <a:off x="699824" y="381000"/>
+            <a:ext cx="3276864" cy="1333500"/>
           </a:xfrm>
         </p:spPr>
         <p:txBody>
           <a:bodyPr anchor="b"/>
           <a:lstStyle>
             <a:lvl1pPr>
-              <a:defRPr sz="2400"/>
+              <a:defRPr sz="2667"/>
             </a:lvl1pPr>
           </a:lstStyle>
           <a:p>
@@ -2555,8 +2549,8 @@
         </p:nvSpPr>
         <p:spPr>
           <a:xfrm>
-            <a:off x="3887391" y="822855"/>
-            <a:ext cx="4629150" cy="4061354"/>
+            <a:off x="4319323" y="822855"/>
+            <a:ext cx="5143500" cy="4061354"/>
           </a:xfrm>
         </p:spPr>
         <p:txBody>
@@ -2564,39 +2558,39 @@
           <a:lstStyle>
             <a:lvl1pPr marL="0" indent="0">
               <a:buNone/>
-              <a:defRPr sz="2400"/>
+              <a:defRPr sz="2667"/>
             </a:lvl1pPr>
-            <a:lvl2pPr marL="342900" indent="0">
-              <a:buNone/>
-              <a:defRPr sz="2100"/>
+            <a:lvl2pPr marL="380996" indent="0">
+              <a:buNone/>
+              <a:defRPr sz="2333"/>
             </a:lvl2pPr>
-            <a:lvl3pPr marL="685800" indent="0">
-              <a:buNone/>
-              <a:defRPr sz="1800"/>
+            <a:lvl3pPr marL="761992" indent="0">
+              <a:buNone/>
+              <a:defRPr sz="2000"/>
             </a:lvl3pPr>
-            <a:lvl4pPr marL="1028700" indent="0">
-              <a:buNone/>
-              <a:defRPr sz="1500"/>
+            <a:lvl4pPr marL="1142989" indent="0">
+              <a:buNone/>
+              <a:defRPr sz="1667"/>
             </a:lvl4pPr>
-            <a:lvl5pPr marL="1371600" indent="0">
-              <a:buNone/>
-              <a:defRPr sz="1500"/>
+            <a:lvl5pPr marL="1523985" indent="0">
+              <a:buNone/>
+              <a:defRPr sz="1667"/>
             </a:lvl5pPr>
-            <a:lvl6pPr marL="1714500" indent="0">
-              <a:buNone/>
-              <a:defRPr sz="1500"/>
+            <a:lvl6pPr marL="1904981" indent="0">
+              <a:buNone/>
+              <a:defRPr sz="1667"/>
             </a:lvl6pPr>
-            <a:lvl7pPr marL="2057400" indent="0">
-              <a:buNone/>
-              <a:defRPr sz="1500"/>
+            <a:lvl7pPr marL="2285977" indent="0">
+              <a:buNone/>
+              <a:defRPr sz="1667"/>
             </a:lvl7pPr>
-            <a:lvl8pPr marL="2400300" indent="0">
-              <a:buNone/>
-              <a:defRPr sz="1500"/>
+            <a:lvl8pPr marL="2666973" indent="0">
+              <a:buNone/>
+              <a:defRPr sz="1667"/>
             </a:lvl8pPr>
-            <a:lvl9pPr marL="2743200" indent="0">
-              <a:buNone/>
-              <a:defRPr sz="1500"/>
+            <a:lvl9pPr marL="3047970" indent="0">
+              <a:buNone/>
+              <a:defRPr sz="1667"/>
             </a:lvl9pPr>
           </a:lstStyle>
           <a:p>
@@ -2620,8 +2614,8 @@
         </p:nvSpPr>
         <p:spPr>
           <a:xfrm>
-            <a:off x="629841" y="1714500"/>
-            <a:ext cx="2949178" cy="3176323"/>
+            <a:off x="699824" y="1714500"/>
+            <a:ext cx="3276864" cy="3176323"/>
           </a:xfrm>
         </p:spPr>
         <p:txBody>
@@ -2629,39 +2623,39 @@
           <a:lstStyle>
             <a:lvl1pPr marL="0" indent="0">
               <a:buNone/>
-              <a:defRPr sz="1200"/>
+              <a:defRPr sz="1333"/>
             </a:lvl1pPr>
-            <a:lvl2pPr marL="342900" indent="0">
-              <a:buNone/>
-              <a:defRPr sz="1050"/>
+            <a:lvl2pPr marL="380996" indent="0">
+              <a:buNone/>
+              <a:defRPr sz="1167"/>
             </a:lvl2pPr>
-            <a:lvl3pPr marL="685800" indent="0">
-              <a:buNone/>
-              <a:defRPr sz="900"/>
+            <a:lvl3pPr marL="761992" indent="0">
+              <a:buNone/>
+              <a:defRPr sz="1000"/>
             </a:lvl3pPr>
-            <a:lvl4pPr marL="1028700" indent="0">
-              <a:buNone/>
-              <a:defRPr sz="750"/>
+            <a:lvl4pPr marL="1142989" indent="0">
+              <a:buNone/>
+              <a:defRPr sz="833"/>
             </a:lvl4pPr>
-            <a:lvl5pPr marL="1371600" indent="0">
-              <a:buNone/>
-              <a:defRPr sz="750"/>
+            <a:lvl5pPr marL="1523985" indent="0">
+              <a:buNone/>
+              <a:defRPr sz="833"/>
             </a:lvl5pPr>
-            <a:lvl6pPr marL="1714500" indent="0">
-              <a:buNone/>
-              <a:defRPr sz="750"/>
+            <a:lvl6pPr marL="1904981" indent="0">
+              <a:buNone/>
+              <a:defRPr sz="833"/>
             </a:lvl6pPr>
-            <a:lvl7pPr marL="2057400" indent="0">
-              <a:buNone/>
-              <a:defRPr sz="750"/>
+            <a:lvl7pPr marL="2285977" indent="0">
+              <a:buNone/>
+              <a:defRPr sz="833"/>
             </a:lvl7pPr>
-            <a:lvl8pPr marL="2400300" indent="0">
-              <a:buNone/>
-              <a:defRPr sz="750"/>
+            <a:lvl8pPr marL="2666973" indent="0">
+              <a:buNone/>
+              <a:defRPr sz="833"/>
             </a:lvl8pPr>
-            <a:lvl9pPr marL="2743200" indent="0">
-              <a:buNone/>
-              <a:defRPr sz="750"/>
+            <a:lvl9pPr marL="3047970" indent="0">
+              <a:buNone/>
+              <a:defRPr sz="833"/>
             </a:lvl9pPr>
           </a:lstStyle>
           <a:p>
@@ -2690,7 +2684,7 @@
           <a:p>
             <a:fld id="{C9F3244D-FF4B-4F20-B6B2-61D983D16381}" type="datetimeFigureOut">
               <a:rPr lang="ko-KR" altLang="en-US" smtClean="0"/>
-              <a:t>2020-09-27</a:t>
+              <a:t>2021-01-23</a:t>
             </a:fld>
             <a:endParaRPr lang="ko-KR" altLang="en-US"/>
           </a:p>
@@ -2785,8 +2779,8 @@
         </p:nvSpPr>
         <p:spPr>
           <a:xfrm>
-            <a:off x="628650" y="304271"/>
-            <a:ext cx="7886700" cy="1104636"/>
+            <a:off x="698500" y="304271"/>
+            <a:ext cx="8763000" cy="1104636"/>
           </a:xfrm>
           <a:prstGeom prst="rect">
             <a:avLst/>
@@ -2818,8 +2812,8 @@
         </p:nvSpPr>
         <p:spPr>
           <a:xfrm>
-            <a:off x="628650" y="1521354"/>
-            <a:ext cx="7886700" cy="3626115"/>
+            <a:off x="698500" y="1521355"/>
+            <a:ext cx="8763000" cy="3626115"/>
           </a:xfrm>
           <a:prstGeom prst="rect">
             <a:avLst/>
@@ -2880,8 +2874,8 @@
         </p:nvSpPr>
         <p:spPr>
           <a:xfrm>
-            <a:off x="628650" y="5296959"/>
-            <a:ext cx="2057400" cy="304271"/>
+            <a:off x="698500" y="5296960"/>
+            <a:ext cx="2286000" cy="304271"/>
           </a:xfrm>
           <a:prstGeom prst="rect">
             <a:avLst/>
@@ -2891,7 +2885,7 @@
           <a:bodyPr vert="horz" lIns="91440" tIns="45720" rIns="91440" bIns="45720" rtlCol="0" anchor="ctr"/>
           <a:lstStyle>
             <a:lvl1pPr algn="l">
-              <a:defRPr sz="900">
+              <a:defRPr sz="1000">
                 <a:solidFill>
                   <a:schemeClr val="tx1">
                     <a:tint val="75000"/>
@@ -2903,7 +2897,7 @@
           <a:p>
             <a:fld id="{C9F3244D-FF4B-4F20-B6B2-61D983D16381}" type="datetimeFigureOut">
               <a:rPr lang="ko-KR" altLang="en-US" smtClean="0"/>
-              <a:t>2020-09-27</a:t>
+              <a:t>2021-01-23</a:t>
             </a:fld>
             <a:endParaRPr lang="ko-KR" altLang="en-US"/>
           </a:p>
@@ -2921,8 +2915,8 @@
         </p:nvSpPr>
         <p:spPr>
           <a:xfrm>
-            <a:off x="3028950" y="5296959"/>
-            <a:ext cx="3086100" cy="304271"/>
+            <a:off x="3365500" y="5296960"/>
+            <a:ext cx="3429000" cy="304271"/>
           </a:xfrm>
           <a:prstGeom prst="rect">
             <a:avLst/>
@@ -2932,7 +2926,7 @@
           <a:bodyPr vert="horz" lIns="91440" tIns="45720" rIns="91440" bIns="45720" rtlCol="0" anchor="ctr"/>
           <a:lstStyle>
             <a:lvl1pPr algn="ctr">
-              <a:defRPr sz="900">
+              <a:defRPr sz="1000">
                 <a:solidFill>
                   <a:schemeClr val="tx1">
                     <a:tint val="75000"/>
@@ -2958,8 +2952,8 @@
         </p:nvSpPr>
         <p:spPr>
           <a:xfrm>
-            <a:off x="6457950" y="5296959"/>
-            <a:ext cx="2057400" cy="304271"/>
+            <a:off x="7175500" y="5296960"/>
+            <a:ext cx="2286000" cy="304271"/>
           </a:xfrm>
           <a:prstGeom prst="rect">
             <a:avLst/>
@@ -2969,7 +2963,7 @@
           <a:bodyPr vert="horz" lIns="91440" tIns="45720" rIns="91440" bIns="45720" rtlCol="0" anchor="ctr"/>
           <a:lstStyle>
             <a:lvl1pPr algn="r">
-              <a:defRPr sz="900">
+              <a:defRPr sz="1000">
                 <a:solidFill>
                   <a:schemeClr val="tx1">
                     <a:tint val="75000"/>
@@ -3010,7 +3004,7 @@
   </p:sldLayoutIdLst>
   <p:txStyles>
     <p:titleStyle>
-      <a:lvl1pPr algn="l" defTabSz="685800" rtl="0" eaLnBrk="1" latinLnBrk="1" hangingPunct="1">
+      <a:lvl1pPr algn="l" defTabSz="761992" rtl="0" eaLnBrk="1" latinLnBrk="1" hangingPunct="1">
         <a:lnSpc>
           <a:spcPct val="90000"/>
         </a:lnSpc>
@@ -3018,7 +3012,7 @@
           <a:spcPct val="0"/>
         </a:spcBef>
         <a:buNone/>
-        <a:defRPr sz="3300" kern="1200">
+        <a:defRPr sz="3667" kern="1200">
           <a:solidFill>
             <a:schemeClr val="tx1"/>
           </a:solidFill>
@@ -3029,16 +3023,16 @@
       </a:lvl1pPr>
     </p:titleStyle>
     <p:bodyStyle>
-      <a:lvl1pPr marL="171450" indent="-171450" algn="l" defTabSz="685800" rtl="0" eaLnBrk="1" latinLnBrk="1" hangingPunct="1">
+      <a:lvl1pPr marL="190498" indent="-190498" algn="l" defTabSz="761992" rtl="0" eaLnBrk="1" latinLnBrk="1" hangingPunct="1">
         <a:lnSpc>
           <a:spcPct val="90000"/>
         </a:lnSpc>
         <a:spcBef>
-          <a:spcPts val="750"/>
+          <a:spcPts val="833"/>
         </a:spcBef>
         <a:buFont typeface="Arial" panose="020B0604020202020204" pitchFamily="34" charset="0"/>
         <a:buChar char="•"/>
-        <a:defRPr sz="2100" kern="1200">
+        <a:defRPr sz="2333" kern="1200">
           <a:solidFill>
             <a:schemeClr val="tx1"/>
           </a:solidFill>
@@ -3047,16 +3041,16 @@
           <a:cs typeface="+mn-cs"/>
         </a:defRPr>
       </a:lvl1pPr>
-      <a:lvl2pPr marL="514350" indent="-171450" algn="l" defTabSz="685800" rtl="0" eaLnBrk="1" latinLnBrk="1" hangingPunct="1">
+      <a:lvl2pPr marL="571494" indent="-190498" algn="l" defTabSz="761992" rtl="0" eaLnBrk="1" latinLnBrk="1" hangingPunct="1">
         <a:lnSpc>
           <a:spcPct val="90000"/>
         </a:lnSpc>
         <a:spcBef>
-          <a:spcPts val="375"/>
+          <a:spcPts val="417"/>
         </a:spcBef>
         <a:buFont typeface="Arial" panose="020B0604020202020204" pitchFamily="34" charset="0"/>
         <a:buChar char="•"/>
-        <a:defRPr sz="1800" kern="1200">
+        <a:defRPr sz="2000" kern="1200">
           <a:solidFill>
             <a:schemeClr val="tx1"/>
           </a:solidFill>
@@ -3065,12 +3059,30 @@
           <a:cs typeface="+mn-cs"/>
         </a:defRPr>
       </a:lvl2pPr>
-      <a:lvl3pPr marL="857250" indent="-171450" algn="l" defTabSz="685800" rtl="0" eaLnBrk="1" latinLnBrk="1" hangingPunct="1">
+      <a:lvl3pPr marL="952490" indent="-190498" algn="l" defTabSz="761992" rtl="0" eaLnBrk="1" latinLnBrk="1" hangingPunct="1">
         <a:lnSpc>
           <a:spcPct val="90000"/>
         </a:lnSpc>
         <a:spcBef>
-          <a:spcPts val="375"/>
+          <a:spcPts val="417"/>
+        </a:spcBef>
+        <a:buFont typeface="Arial" panose="020B0604020202020204" pitchFamily="34" charset="0"/>
+        <a:buChar char="•"/>
+        <a:defRPr sz="1667" kern="1200">
+          <a:solidFill>
+            <a:schemeClr val="tx1"/>
+          </a:solidFill>
+          <a:latin typeface="+mn-lt"/>
+          <a:ea typeface="+mn-ea"/>
+          <a:cs typeface="+mn-cs"/>
+        </a:defRPr>
+      </a:lvl3pPr>
+      <a:lvl4pPr marL="1333487" indent="-190498" algn="l" defTabSz="761992" rtl="0" eaLnBrk="1" latinLnBrk="1" hangingPunct="1">
+        <a:lnSpc>
+          <a:spcPct val="90000"/>
+        </a:lnSpc>
+        <a:spcBef>
+          <a:spcPts val="417"/>
         </a:spcBef>
         <a:buFont typeface="Arial" panose="020B0604020202020204" pitchFamily="34" charset="0"/>
         <a:buChar char="•"/>
@@ -3082,35 +3094,17 @@
           <a:ea typeface="+mn-ea"/>
           <a:cs typeface="+mn-cs"/>
         </a:defRPr>
-      </a:lvl3pPr>
-      <a:lvl4pPr marL="1200150" indent="-171450" algn="l" defTabSz="685800" rtl="0" eaLnBrk="1" latinLnBrk="1" hangingPunct="1">
+      </a:lvl4pPr>
+      <a:lvl5pPr marL="1714483" indent="-190498" algn="l" defTabSz="761992" rtl="0" eaLnBrk="1" latinLnBrk="1" hangingPunct="1">
         <a:lnSpc>
           <a:spcPct val="90000"/>
         </a:lnSpc>
         <a:spcBef>
-          <a:spcPts val="375"/>
+          <a:spcPts val="417"/>
         </a:spcBef>
         <a:buFont typeface="Arial" panose="020B0604020202020204" pitchFamily="34" charset="0"/>
         <a:buChar char="•"/>
-        <a:defRPr sz="1350" kern="1200">
-          <a:solidFill>
-            <a:schemeClr val="tx1"/>
-          </a:solidFill>
-          <a:latin typeface="+mn-lt"/>
-          <a:ea typeface="+mn-ea"/>
-          <a:cs typeface="+mn-cs"/>
-        </a:defRPr>
-      </a:lvl4pPr>
-      <a:lvl5pPr marL="1543050" indent="-171450" algn="l" defTabSz="685800" rtl="0" eaLnBrk="1" latinLnBrk="1" hangingPunct="1">
-        <a:lnSpc>
-          <a:spcPct val="90000"/>
-        </a:lnSpc>
-        <a:spcBef>
-          <a:spcPts val="375"/>
-        </a:spcBef>
-        <a:buFont typeface="Arial" panose="020B0604020202020204" pitchFamily="34" charset="0"/>
-        <a:buChar char="•"/>
-        <a:defRPr sz="1350" kern="1200">
+        <a:defRPr sz="1500" kern="1200">
           <a:solidFill>
             <a:schemeClr val="tx1"/>
           </a:solidFill>
@@ -3119,16 +3113,16 @@
           <a:cs typeface="+mn-cs"/>
         </a:defRPr>
       </a:lvl5pPr>
-      <a:lvl6pPr marL="1885950" indent="-171450" algn="l" defTabSz="685800" rtl="0" eaLnBrk="1" latinLnBrk="1" hangingPunct="1">
+      <a:lvl6pPr marL="2095479" indent="-190498" algn="l" defTabSz="761992" rtl="0" eaLnBrk="1" latinLnBrk="1" hangingPunct="1">
         <a:lnSpc>
           <a:spcPct val="90000"/>
         </a:lnSpc>
         <a:spcBef>
-          <a:spcPts val="375"/>
+          <a:spcPts val="417"/>
         </a:spcBef>
         <a:buFont typeface="Arial" panose="020B0604020202020204" pitchFamily="34" charset="0"/>
         <a:buChar char="•"/>
-        <a:defRPr sz="1350" kern="1200">
+        <a:defRPr sz="1500" kern="1200">
           <a:solidFill>
             <a:schemeClr val="tx1"/>
           </a:solidFill>
@@ -3137,16 +3131,16 @@
           <a:cs typeface="+mn-cs"/>
         </a:defRPr>
       </a:lvl6pPr>
-      <a:lvl7pPr marL="2228850" indent="-171450" algn="l" defTabSz="685800" rtl="0" eaLnBrk="1" latinLnBrk="1" hangingPunct="1">
+      <a:lvl7pPr marL="2476475" indent="-190498" algn="l" defTabSz="761992" rtl="0" eaLnBrk="1" latinLnBrk="1" hangingPunct="1">
         <a:lnSpc>
           <a:spcPct val="90000"/>
         </a:lnSpc>
         <a:spcBef>
-          <a:spcPts val="375"/>
+          <a:spcPts val="417"/>
         </a:spcBef>
         <a:buFont typeface="Arial" panose="020B0604020202020204" pitchFamily="34" charset="0"/>
         <a:buChar char="•"/>
-        <a:defRPr sz="1350" kern="1200">
+        <a:defRPr sz="1500" kern="1200">
           <a:solidFill>
             <a:schemeClr val="tx1"/>
           </a:solidFill>
@@ -3155,16 +3149,16 @@
           <a:cs typeface="+mn-cs"/>
         </a:defRPr>
       </a:lvl7pPr>
-      <a:lvl8pPr marL="2571750" indent="-171450" algn="l" defTabSz="685800" rtl="0" eaLnBrk="1" latinLnBrk="1" hangingPunct="1">
+      <a:lvl8pPr marL="2857471" indent="-190498" algn="l" defTabSz="761992" rtl="0" eaLnBrk="1" latinLnBrk="1" hangingPunct="1">
         <a:lnSpc>
           <a:spcPct val="90000"/>
         </a:lnSpc>
         <a:spcBef>
-          <a:spcPts val="375"/>
+          <a:spcPts val="417"/>
         </a:spcBef>
         <a:buFont typeface="Arial" panose="020B0604020202020204" pitchFamily="34" charset="0"/>
         <a:buChar char="•"/>
-        <a:defRPr sz="1350" kern="1200">
+        <a:defRPr sz="1500" kern="1200">
           <a:solidFill>
             <a:schemeClr val="tx1"/>
           </a:solidFill>
@@ -3173,16 +3167,16 @@
           <a:cs typeface="+mn-cs"/>
         </a:defRPr>
       </a:lvl8pPr>
-      <a:lvl9pPr marL="2914650" indent="-171450" algn="l" defTabSz="685800" rtl="0" eaLnBrk="1" latinLnBrk="1" hangingPunct="1">
+      <a:lvl9pPr marL="3238468" indent="-190498" algn="l" defTabSz="761992" rtl="0" eaLnBrk="1" latinLnBrk="1" hangingPunct="1">
         <a:lnSpc>
           <a:spcPct val="90000"/>
         </a:lnSpc>
         <a:spcBef>
-          <a:spcPts val="375"/>
+          <a:spcPts val="417"/>
         </a:spcBef>
         <a:buFont typeface="Arial" panose="020B0604020202020204" pitchFamily="34" charset="0"/>
         <a:buChar char="•"/>
-        <a:defRPr sz="1350" kern="1200">
+        <a:defRPr sz="1500" kern="1200">
           <a:solidFill>
             <a:schemeClr val="tx1"/>
           </a:solidFill>
@@ -3196,8 +3190,8 @@
       <a:defPPr>
         <a:defRPr lang="en-US"/>
       </a:defPPr>
-      <a:lvl1pPr marL="0" algn="l" defTabSz="685800" rtl="0" eaLnBrk="1" latinLnBrk="1" hangingPunct="1">
-        <a:defRPr sz="1350" kern="1200">
+      <a:lvl1pPr marL="0" algn="l" defTabSz="761992" rtl="0" eaLnBrk="1" latinLnBrk="1" hangingPunct="1">
+        <a:defRPr sz="1500" kern="1200">
           <a:solidFill>
             <a:schemeClr val="tx1"/>
           </a:solidFill>
@@ -3206,8 +3200,8 @@
           <a:cs typeface="+mn-cs"/>
         </a:defRPr>
       </a:lvl1pPr>
-      <a:lvl2pPr marL="342900" algn="l" defTabSz="685800" rtl="0" eaLnBrk="1" latinLnBrk="1" hangingPunct="1">
-        <a:defRPr sz="1350" kern="1200">
+      <a:lvl2pPr marL="380996" algn="l" defTabSz="761992" rtl="0" eaLnBrk="1" latinLnBrk="1" hangingPunct="1">
+        <a:defRPr sz="1500" kern="1200">
           <a:solidFill>
             <a:schemeClr val="tx1"/>
           </a:solidFill>
@@ -3216,8 +3210,8 @@
           <a:cs typeface="+mn-cs"/>
         </a:defRPr>
       </a:lvl2pPr>
-      <a:lvl3pPr marL="685800" algn="l" defTabSz="685800" rtl="0" eaLnBrk="1" latinLnBrk="1" hangingPunct="1">
-        <a:defRPr sz="1350" kern="1200">
+      <a:lvl3pPr marL="761992" algn="l" defTabSz="761992" rtl="0" eaLnBrk="1" latinLnBrk="1" hangingPunct="1">
+        <a:defRPr sz="1500" kern="1200">
           <a:solidFill>
             <a:schemeClr val="tx1"/>
           </a:solidFill>
@@ -3226,8 +3220,8 @@
           <a:cs typeface="+mn-cs"/>
         </a:defRPr>
       </a:lvl3pPr>
-      <a:lvl4pPr marL="1028700" algn="l" defTabSz="685800" rtl="0" eaLnBrk="1" latinLnBrk="1" hangingPunct="1">
-        <a:defRPr sz="1350" kern="1200">
+      <a:lvl4pPr marL="1142989" algn="l" defTabSz="761992" rtl="0" eaLnBrk="1" latinLnBrk="1" hangingPunct="1">
+        <a:defRPr sz="1500" kern="1200">
           <a:solidFill>
             <a:schemeClr val="tx1"/>
           </a:solidFill>
@@ -3236,8 +3230,8 @@
           <a:cs typeface="+mn-cs"/>
         </a:defRPr>
       </a:lvl4pPr>
-      <a:lvl5pPr marL="1371600" algn="l" defTabSz="685800" rtl="0" eaLnBrk="1" latinLnBrk="1" hangingPunct="1">
-        <a:defRPr sz="1350" kern="1200">
+      <a:lvl5pPr marL="1523985" algn="l" defTabSz="761992" rtl="0" eaLnBrk="1" latinLnBrk="1" hangingPunct="1">
+        <a:defRPr sz="1500" kern="1200">
           <a:solidFill>
             <a:schemeClr val="tx1"/>
           </a:solidFill>
@@ -3246,8 +3240,8 @@
           <a:cs typeface="+mn-cs"/>
         </a:defRPr>
       </a:lvl5pPr>
-      <a:lvl6pPr marL="1714500" algn="l" defTabSz="685800" rtl="0" eaLnBrk="1" latinLnBrk="1" hangingPunct="1">
-        <a:defRPr sz="1350" kern="1200">
+      <a:lvl6pPr marL="1904981" algn="l" defTabSz="761992" rtl="0" eaLnBrk="1" latinLnBrk="1" hangingPunct="1">
+        <a:defRPr sz="1500" kern="1200">
           <a:solidFill>
             <a:schemeClr val="tx1"/>
           </a:solidFill>
@@ -3256,8 +3250,8 @@
           <a:cs typeface="+mn-cs"/>
         </a:defRPr>
       </a:lvl6pPr>
-      <a:lvl7pPr marL="2057400" algn="l" defTabSz="685800" rtl="0" eaLnBrk="1" latinLnBrk="1" hangingPunct="1">
-        <a:defRPr sz="1350" kern="1200">
+      <a:lvl7pPr marL="2285977" algn="l" defTabSz="761992" rtl="0" eaLnBrk="1" latinLnBrk="1" hangingPunct="1">
+        <a:defRPr sz="1500" kern="1200">
           <a:solidFill>
             <a:schemeClr val="tx1"/>
           </a:solidFill>
@@ -3266,8 +3260,8 @@
           <a:cs typeface="+mn-cs"/>
         </a:defRPr>
       </a:lvl7pPr>
-      <a:lvl8pPr marL="2400300" algn="l" defTabSz="685800" rtl="0" eaLnBrk="1" latinLnBrk="1" hangingPunct="1">
-        <a:defRPr sz="1350" kern="1200">
+      <a:lvl8pPr marL="2666973" algn="l" defTabSz="761992" rtl="0" eaLnBrk="1" latinLnBrk="1" hangingPunct="1">
+        <a:defRPr sz="1500" kern="1200">
           <a:solidFill>
             <a:schemeClr val="tx1"/>
           </a:solidFill>
@@ -3276,8 +3270,8 @@
           <a:cs typeface="+mn-cs"/>
         </a:defRPr>
       </a:lvl8pPr>
-      <a:lvl9pPr marL="2743200" algn="l" defTabSz="685800" rtl="0" eaLnBrk="1" latinLnBrk="1" hangingPunct="1">
-        <a:defRPr sz="1350" kern="1200">
+      <a:lvl9pPr marL="3047970" algn="l" defTabSz="761992" rtl="0" eaLnBrk="1" latinLnBrk="1" hangingPunct="1">
+        <a:defRPr sz="1500" kern="1200">
           <a:solidFill>
             <a:schemeClr val="tx1"/>
           </a:solidFill>
@@ -3308,37 +3302,37 @@
             <a:spLocks noGrp="1"/>
           </p:cNvSpPr>
           <p:nvPr>
-            <p:ph type="title"/>
-          </p:nvPr>
-        </p:nvSpPr>
-        <p:spPr/>
-        <p:txBody>
-          <a:bodyPr/>
-          <a:lstStyle/>
-          <a:p>
-            <a:r>
-              <a:t>사도행전 8장 26절</a:t>
-            </a:r>
-          </a:p>
-        </p:txBody>
-      </p:sp>
-      <p:sp>
-        <p:nvSpPr>
-          <p:cNvPr id="3" name="Content Placeholder 2"/>
-          <p:cNvSpPr>
-            <a:spLocks noGrp="1"/>
-          </p:cNvSpPr>
-          <p:nvPr>
-            <p:ph idx="1"/>
-          </p:nvPr>
-        </p:nvSpPr>
-        <p:spPr/>
-        <p:txBody>
-          <a:bodyPr/>
-          <a:lstStyle/>
-          <a:p>
-            <a:r>
-              <a:t>주의 사자가 빌립에게 말하여 이르되 일어나서 남쪽으로 향하여 예루살렘에서 가사로 내려가는 길까지 가라 하니 그 길은 광야라</a:t>
+            <p:ph type="ctrTitle"/>
+          </p:nvPr>
+        </p:nvSpPr>
+        <p:spPr/>
+        <p:txBody>
+          <a:bodyPr/>
+          <a:lstStyle/>
+          <a:p>
+            <a:r>
+              <a:t>성경봉독</a:t>
+            </a:r>
+          </a:p>
+        </p:txBody>
+      </p:sp>
+      <p:sp>
+        <p:nvSpPr>
+          <p:cNvPr id="3" name="Subtitle 2"/>
+          <p:cNvSpPr>
+            <a:spLocks noGrp="1"/>
+          </p:cNvSpPr>
+          <p:nvPr>
+            <p:ph type="subTitle" idx="1"/>
+          </p:nvPr>
+        </p:nvSpPr>
+        <p:spPr/>
+        <p:txBody>
+          <a:bodyPr/>
+          <a:lstStyle/>
+          <a:p>
+            <a:r>
+              <a:t>사도행전 9장 32-43절</a:t>
             </a:r>
           </a:p>
         </p:txBody>
@@ -3377,7 +3371,7 @@
           <a:lstStyle/>
           <a:p>
             <a:r>
-              <a:t>사도행전 8장 35절</a:t>
+              <a:t>사도행전 9장 40절</a:t>
             </a:r>
           </a:p>
         </p:txBody>
@@ -3398,7 +3392,7 @@
           <a:lstStyle/>
           <a:p>
             <a:r>
-              <a:t>빌립이 입을 열어 이 글에서 시작하여 예수를 가르쳐 복음을 전하니</a:t>
+              <a:t>베드로가 사람을 다 내보내고 무릎을 꿇고 기도하고 돌이켜 시체를 향하여 이르되 다비다야 일어나라 하니 그가 눈을 떠 베드로를 보고 일어나 앉는지라</a:t>
             </a:r>
           </a:p>
         </p:txBody>
@@ -3437,7 +3431,7 @@
           <a:lstStyle/>
           <a:p>
             <a:r>
-              <a:t>사도행전 8장 36절</a:t>
+              <a:t>사도행전 9장 41절</a:t>
             </a:r>
           </a:p>
         </p:txBody>
@@ -3458,7 +3452,7 @@
           <a:lstStyle/>
           <a:p>
             <a:r>
-              <a:t>길 가다가 물 있는 곳에 이르러 그 내시가 말하되 보라 물이 있으니 내가 세례를 받음에 무슨 거리낌이 있느냐</a:t>
+              <a:t>베드로가 손을 내밀어 일으키고 성도들과 과부들을 불러 들여 그가 살아난 것을 보이니</a:t>
             </a:r>
           </a:p>
         </p:txBody>
@@ -3497,7 +3491,7 @@
           <a:lstStyle/>
           <a:p>
             <a:r>
-              <a:t>사도행전 8장 37절</a:t>
+              <a:t>사도행전 9장 42절</a:t>
             </a:r>
           </a:p>
         </p:txBody>
@@ -3518,7 +3512,7 @@
           <a:lstStyle/>
           <a:p>
             <a:r>
-              <a:t>(없음)</a:t>
+              <a:t>온 욥바 사람이 알고 많은 사람이 주를 믿더라</a:t>
             </a:r>
           </a:p>
         </p:txBody>
@@ -3557,7 +3551,7 @@
           <a:lstStyle/>
           <a:p>
             <a:r>
-              <a:t>사도행전 8장 38절</a:t>
+              <a:t>사도행전 9장 43절</a:t>
             </a:r>
           </a:p>
         </p:txBody>
@@ -3578,7 +3572,7 @@
           <a:lstStyle/>
           <a:p>
             <a:r>
-              <a:t>이에 명하여 수레를 멈추고 빌립과 내시가 둘 다 물에 내려가 빌립이 세례를 베풀고</a:t>
+              <a:t>베드로가 욥바에 여러 날 있어 시몬이라 하는 무두장이의 집에서 머무니라</a:t>
             </a:r>
           </a:p>
         </p:txBody>
@@ -3608,37 +3602,37 @@
             <a:spLocks noGrp="1"/>
           </p:cNvSpPr>
           <p:nvPr>
-            <p:ph type="title"/>
-          </p:nvPr>
-        </p:nvSpPr>
-        <p:spPr/>
-        <p:txBody>
-          <a:bodyPr/>
-          <a:lstStyle/>
-          <a:p>
-            <a:r>
-              <a:t>사도행전 8장 39절</a:t>
-            </a:r>
-          </a:p>
-        </p:txBody>
-      </p:sp>
-      <p:sp>
-        <p:nvSpPr>
-          <p:cNvPr id="3" name="Content Placeholder 2"/>
-          <p:cNvSpPr>
-            <a:spLocks noGrp="1"/>
-          </p:cNvSpPr>
-          <p:nvPr>
-            <p:ph idx="1"/>
-          </p:nvPr>
-        </p:nvSpPr>
-        <p:spPr/>
-        <p:txBody>
-          <a:bodyPr/>
-          <a:lstStyle/>
-          <a:p>
-            <a:r>
-              <a:t>둘이 물에서 올라올새 주의 영이 빌립을 이끌어간지라 내시는 기쁘게 길을 가므로 그를 다시 보지 못하니라</a:t>
+            <p:ph type="ctrTitle"/>
+          </p:nvPr>
+        </p:nvSpPr>
+        <p:spPr/>
+        <p:txBody>
+          <a:bodyPr/>
+          <a:lstStyle/>
+          <a:p>
+            <a:r>
+              <a:t>말씀선포</a:t>
+            </a:r>
+          </a:p>
+        </p:txBody>
+      </p:sp>
+      <p:sp>
+        <p:nvSpPr>
+          <p:cNvPr id="3" name="Subtitle 2"/>
+          <p:cNvSpPr>
+            <a:spLocks noGrp="1"/>
+          </p:cNvSpPr>
+          <p:nvPr>
+            <p:ph type="subTitle" idx="1"/>
+          </p:nvPr>
+        </p:nvSpPr>
+        <p:spPr/>
+        <p:txBody>
+          <a:bodyPr/>
+          <a:lstStyle/>
+          <a:p>
+            <a:r>
+              <a:t>베드로의 순회사역</a:t>
             </a:r>
           </a:p>
         </p:txBody>
@@ -3677,7 +3671,7 @@
           <a:lstStyle/>
           <a:p>
             <a:r>
-              <a:t>사도행전 8장 40절</a:t>
+              <a:t>사도행전 9장 41-42절</a:t>
             </a:r>
           </a:p>
         </p:txBody>
@@ -3698,282 +3692,20 @@
           <a:lstStyle/>
           <a:p>
             <a:r>
-              <a:t>빌립은 아소도에 나타나 여러 성을 지나 다니며 복음을 전하고 가이사랴에 이르니라</a:t>
-            </a:r>
-          </a:p>
-        </p:txBody>
-      </p:sp>
-    </p:spTree>
-  </p:cSld>
-  <p:clrMapOvr>
-    <a:masterClrMapping/>
-  </p:clrMapOvr>
-</p:sld>
-</file>
-
-<file path=ppt/slides/slide16.xml><?xml version="1.0" encoding="utf-8"?>
-<p:sld xmlns:a="http://schemas.openxmlformats.org/drawingml/2006/main" xmlns:p="http://schemas.openxmlformats.org/presentationml/2006/main" xmlns:r="http://schemas.openxmlformats.org/officeDocument/2006/relationships">
-  <p:cSld>
-    <p:spTree>
-      <p:nvGrpSpPr>
-        <p:cNvPr id="1" name=""/>
-        <p:cNvGrpSpPr/>
-        <p:nvPr/>
-      </p:nvGrpSpPr>
-      <p:grpSpPr/>
-      <p:sp>
-        <p:nvSpPr>
-          <p:cNvPr id="2" name="Title 1"/>
-          <p:cNvSpPr>
-            <a:spLocks noGrp="1"/>
-          </p:cNvSpPr>
-          <p:nvPr>
-            <p:ph type="title"/>
-          </p:nvPr>
-        </p:nvSpPr>
-        <p:spPr/>
-        <p:txBody>
-          <a:bodyPr/>
-          <a:lstStyle/>
-          <a:p>
-            <a:r>
-              <a:t>이사야 56장 3절</a:t>
-            </a:r>
-          </a:p>
-        </p:txBody>
-      </p:sp>
-      <p:sp>
-        <p:nvSpPr>
-          <p:cNvPr id="3" name="Content Placeholder 2"/>
-          <p:cNvSpPr>
-            <a:spLocks noGrp="1"/>
-          </p:cNvSpPr>
-          <p:nvPr>
-            <p:ph idx="1"/>
-          </p:nvPr>
-        </p:nvSpPr>
-        <p:spPr/>
-        <p:txBody>
-          <a:bodyPr/>
-          <a:lstStyle/>
-          <a:p>
-            <a:r>
-              <a:t>여호와께 연합한 이방인은 말하기를 여호와께서 나를 그의 백성 중에서 반드시 갈라내시리라 하지 말며, 고자도 말하기를 나는 마른 나무라 하지 말라</a:t>
-            </a:r>
-          </a:p>
-        </p:txBody>
-      </p:sp>
-    </p:spTree>
-  </p:cSld>
-  <p:clrMapOvr>
-    <a:masterClrMapping/>
-  </p:clrMapOvr>
-</p:sld>
-</file>
-
-<file path=ppt/slides/slide17.xml><?xml version="1.0" encoding="utf-8"?>
-<p:sld xmlns:a="http://schemas.openxmlformats.org/drawingml/2006/main" xmlns:p="http://schemas.openxmlformats.org/presentationml/2006/main" xmlns:r="http://schemas.openxmlformats.org/officeDocument/2006/relationships">
-  <p:cSld>
-    <p:spTree>
-      <p:nvGrpSpPr>
-        <p:cNvPr id="1" name=""/>
-        <p:cNvGrpSpPr/>
-        <p:nvPr/>
-      </p:nvGrpSpPr>
-      <p:grpSpPr/>
-      <p:sp>
-        <p:nvSpPr>
-          <p:cNvPr id="2" name="Title 1"/>
-          <p:cNvSpPr>
-            <a:spLocks noGrp="1"/>
-          </p:cNvSpPr>
-          <p:nvPr>
-            <p:ph type="title"/>
-          </p:nvPr>
-        </p:nvSpPr>
-        <p:spPr/>
-        <p:txBody>
-          <a:bodyPr/>
-          <a:lstStyle/>
-          <a:p>
-            <a:r>
-              <a:t>사도행전 8장 32-33절</a:t>
-            </a:r>
-          </a:p>
-        </p:txBody>
-      </p:sp>
-      <p:sp>
-        <p:nvSpPr>
-          <p:cNvPr id="3" name="Content Placeholder 2"/>
-          <p:cNvSpPr>
-            <a:spLocks noGrp="1"/>
-          </p:cNvSpPr>
-          <p:nvPr>
-            <p:ph idx="1"/>
-          </p:nvPr>
-        </p:nvSpPr>
-        <p:spPr/>
-        <p:txBody>
-          <a:bodyPr/>
-          <a:lstStyle/>
-          <a:p>
-            <a:r>
               <a:rPr sz="3600"/>
-              <a:t>32</a:t>
-            </a:r>
-            <a:r>
-              <a:t> 읽는 성경 구절은 이것이니 일렀으되, 그가 도살장에게로 가는 양과 같이 끌려갔고 털 깎는 자 앞에 있는 어린 양이 조요함과 같이 그의 입을 열지 아니하였도다</a:t>
+              <a:t>41</a:t>
+            </a:r>
+            <a:r>
+              <a:t> 베드로가 손을 내밀어 일으키고, 성도들과 과부들을 불러 들여 그가 살아난 것을 보이니</a:t>
             </a:r>
           </a:p>
           <a:p>
             <a:r>
               <a:rPr sz="3600"/>
-              <a:t>33</a:t>
-            </a:r>
-            <a:r>
-              <a:t> 그가 굴욕을 당했을 때 공정한 재판도 받지 못하였으니 누가 그의 세대를 말하리요. 그의 생명이 땅에서 빼앗김이로다 하였거늘</a:t>
-            </a:r>
-          </a:p>
-        </p:txBody>
-      </p:sp>
-    </p:spTree>
-  </p:cSld>
-  <p:clrMapOvr>
-    <a:masterClrMapping/>
-  </p:clrMapOvr>
-</p:sld>
-</file>
-
-<file path=ppt/slides/slide18.xml><?xml version="1.0" encoding="utf-8"?>
-<p:sld xmlns:a="http://schemas.openxmlformats.org/drawingml/2006/main" xmlns:p="http://schemas.openxmlformats.org/presentationml/2006/main" xmlns:r="http://schemas.openxmlformats.org/officeDocument/2006/relationships">
-  <p:cSld>
-    <p:spTree>
-      <p:nvGrpSpPr>
-        <p:cNvPr id="1" name=""/>
-        <p:cNvGrpSpPr/>
-        <p:nvPr/>
-      </p:nvGrpSpPr>
-      <p:grpSpPr/>
-      <p:sp>
-        <p:nvSpPr>
-          <p:cNvPr id="2" name="Title 1"/>
-          <p:cNvSpPr>
-            <a:spLocks noGrp="1"/>
-          </p:cNvSpPr>
-          <p:nvPr>
-            <p:ph type="title"/>
-          </p:nvPr>
-        </p:nvSpPr>
-        <p:spPr/>
-        <p:txBody>
-          <a:bodyPr/>
-          <a:lstStyle/>
-          <a:p>
-            <a:r>
-              <a:t>사도행전 8장 34절</a:t>
-            </a:r>
-          </a:p>
-        </p:txBody>
-      </p:sp>
-      <p:sp>
-        <p:nvSpPr>
-          <p:cNvPr id="3" name="Content Placeholder 2"/>
-          <p:cNvSpPr>
-            <a:spLocks noGrp="1"/>
-          </p:cNvSpPr>
-          <p:nvPr>
-            <p:ph idx="1"/>
-          </p:nvPr>
-        </p:nvSpPr>
-        <p:spPr/>
-        <p:txBody>
-          <a:bodyPr/>
-          <a:lstStyle/>
-          <a:p>
-            <a:r>
-              <a:t>그 내시가 빌립에게 말하되, 청컨대 내가 묻노니 선지자가 이 말한 것이 누구를 가리킴이냐. 자기를 가리킴이냐, 타인을 가리킴이냐</a:t>
-            </a:r>
-          </a:p>
-        </p:txBody>
-      </p:sp>
-    </p:spTree>
-  </p:cSld>
-  <p:clrMapOvr>
-    <a:masterClrMapping/>
-  </p:clrMapOvr>
-</p:sld>
-</file>
-
-<file path=ppt/slides/slide19.xml><?xml version="1.0" encoding="utf-8"?>
-<p:sld xmlns:a="http://schemas.openxmlformats.org/drawingml/2006/main" xmlns:p="http://schemas.openxmlformats.org/presentationml/2006/main" xmlns:r="http://schemas.openxmlformats.org/officeDocument/2006/relationships">
-  <p:cSld>
-    <p:spTree>
-      <p:nvGrpSpPr>
-        <p:cNvPr id="1" name=""/>
-        <p:cNvGrpSpPr/>
-        <p:nvPr/>
-      </p:nvGrpSpPr>
-      <p:grpSpPr/>
-      <p:sp>
-        <p:nvSpPr>
-          <p:cNvPr id="2" name="Title 1"/>
-          <p:cNvSpPr>
-            <a:spLocks noGrp="1"/>
-          </p:cNvSpPr>
-          <p:nvPr>
-            <p:ph type="title"/>
-          </p:nvPr>
-        </p:nvSpPr>
-        <p:spPr/>
-        <p:txBody>
-          <a:bodyPr/>
-          <a:lstStyle/>
-          <a:p>
-            <a:r>
-              <a:t>사도행전 8장 36-38절</a:t>
-            </a:r>
-          </a:p>
-        </p:txBody>
-      </p:sp>
-      <p:sp>
-        <p:nvSpPr>
-          <p:cNvPr id="3" name="Content Placeholder 2"/>
-          <p:cNvSpPr>
-            <a:spLocks noGrp="1"/>
-          </p:cNvSpPr>
-          <p:nvPr>
-            <p:ph idx="1"/>
-          </p:nvPr>
-        </p:nvSpPr>
-        <p:spPr/>
-        <p:txBody>
-          <a:bodyPr/>
-          <a:lstStyle/>
-          <a:p>
-            <a:r>
-              <a:rPr sz="3600"/>
-              <a:t>36</a:t>
-            </a:r>
-            <a:r>
-              <a:t> 길 가다가 물 있는 곳에 이르러 그 내시가 말하되, 보라! 물이 있으니 내가 세례를 받음에 무슨 거리낌이 있느냐</a:t>
-            </a:r>
-          </a:p>
-          <a:p>
-            <a:r>
-              <a:rPr sz="3600"/>
-              <a:t>37</a:t>
-            </a:r>
-            <a:r>
-              <a:t> (없음)</a:t>
-            </a:r>
-          </a:p>
-          <a:p>
-            <a:r>
-              <a:rPr sz="3600"/>
-              <a:t>38</a:t>
-            </a:r>
-            <a:r>
-              <a:t> 이에 명하여 수레를 멈추고 빌립과 내시가 둘 다 물에 내려가 빌립이 세례를 베풀고</a:t>
+              <a:t>42</a:t>
+            </a:r>
+            <a:r>
+              <a:t> 온 욥바 사람이 알고, 많은 사람이 주를 믿더라</a:t>
             </a:r>
           </a:p>
         </p:txBody>
@@ -4012,7 +3744,7 @@
           <a:lstStyle/>
           <a:p>
             <a:r>
-              <a:t>사도행전 8장 27절</a:t>
+              <a:t>사도행전 9장 32절</a:t>
             </a:r>
           </a:p>
         </p:txBody>
@@ -4033,127 +3765,7 @@
           <a:lstStyle/>
           <a:p>
             <a:r>
-              <a:t>일어나 가서 보니 에디오피아 사람 곧 에디오피아 여왕 간다게의 모든 국고를 맡은 관리인 내시가 예배하러 예루살렘에 왔다가</a:t>
-            </a:r>
-          </a:p>
-        </p:txBody>
-      </p:sp>
-    </p:spTree>
-  </p:cSld>
-  <p:clrMapOvr>
-    <a:masterClrMapping/>
-  </p:clrMapOvr>
-</p:sld>
-</file>
-
-<file path=ppt/slides/slide20.xml><?xml version="1.0" encoding="utf-8"?>
-<p:sld xmlns:a="http://schemas.openxmlformats.org/drawingml/2006/main" xmlns:p="http://schemas.openxmlformats.org/presentationml/2006/main" xmlns:r="http://schemas.openxmlformats.org/officeDocument/2006/relationships">
-  <p:cSld>
-    <p:spTree>
-      <p:nvGrpSpPr>
-        <p:cNvPr id="1" name=""/>
-        <p:cNvGrpSpPr/>
-        <p:nvPr/>
-      </p:nvGrpSpPr>
-      <p:grpSpPr/>
-      <p:sp>
-        <p:nvSpPr>
-          <p:cNvPr id="2" name="Title 1"/>
-          <p:cNvSpPr>
-            <a:spLocks noGrp="1"/>
-          </p:cNvSpPr>
-          <p:nvPr>
-            <p:ph type="title"/>
-          </p:nvPr>
-        </p:nvSpPr>
-        <p:spPr/>
-        <p:txBody>
-          <a:bodyPr/>
-          <a:lstStyle/>
-          <a:p>
-            <a:r>
-              <a:t>사도행전 8장 37절</a:t>
-            </a:r>
-          </a:p>
-        </p:txBody>
-      </p:sp>
-      <p:sp>
-        <p:nvSpPr>
-          <p:cNvPr id="3" name="Content Placeholder 2"/>
-          <p:cNvSpPr>
-            <a:spLocks noGrp="1"/>
-          </p:cNvSpPr>
-          <p:nvPr>
-            <p:ph idx="1"/>
-          </p:nvPr>
-        </p:nvSpPr>
-        <p:spPr/>
-        <p:txBody>
-          <a:bodyPr/>
-          <a:lstStyle/>
-          <a:p>
-            <a:r>
-              <a:t>빌립이 이르되, 만일 그대가 마음을 다하여 믿으면 받을 수 있으니라, 하니 그가 응답하여 이르되, 예수 그리스도께서 하나님의 아들이심을 내가 믿노라, 하니라.</a:t>
-            </a:r>
-          </a:p>
-        </p:txBody>
-      </p:sp>
-    </p:spTree>
-  </p:cSld>
-  <p:clrMapOvr>
-    <a:masterClrMapping/>
-  </p:clrMapOvr>
-</p:sld>
-</file>
-
-<file path=ppt/slides/slide21.xml><?xml version="1.0" encoding="utf-8"?>
-<p:sld xmlns:a="http://schemas.openxmlformats.org/drawingml/2006/main" xmlns:p="http://schemas.openxmlformats.org/presentationml/2006/main" xmlns:r="http://schemas.openxmlformats.org/officeDocument/2006/relationships">
-  <p:cSld>
-    <p:spTree>
-      <p:nvGrpSpPr>
-        <p:cNvPr id="1" name=""/>
-        <p:cNvGrpSpPr/>
-        <p:nvPr/>
-      </p:nvGrpSpPr>
-      <p:grpSpPr/>
-      <p:sp>
-        <p:nvSpPr>
-          <p:cNvPr id="2" name="Title 1"/>
-          <p:cNvSpPr>
-            <a:spLocks noGrp="1"/>
-          </p:cNvSpPr>
-          <p:nvPr>
-            <p:ph type="title"/>
-          </p:nvPr>
-        </p:nvSpPr>
-        <p:spPr/>
-        <p:txBody>
-          <a:bodyPr/>
-          <a:lstStyle/>
-          <a:p>
-            <a:r>
-              <a:t>고린도전서 9장 16절</a:t>
-            </a:r>
-          </a:p>
-        </p:txBody>
-      </p:sp>
-      <p:sp>
-        <p:nvSpPr>
-          <p:cNvPr id="3" name="Content Placeholder 2"/>
-          <p:cNvSpPr>
-            <a:spLocks noGrp="1"/>
-          </p:cNvSpPr>
-          <p:nvPr>
-            <p:ph idx="1"/>
-          </p:nvPr>
-        </p:nvSpPr>
-        <p:spPr/>
-        <p:txBody>
-          <a:bodyPr/>
-          <a:lstStyle/>
-          <a:p>
-            <a:r>
-              <a:t>내가 복음을 전할지라도 자랑할 것이 없음은 내가 부득불 할 일임이라. 만일 복음을 전하지 아니하면 내게 화가 있을 것이로다.</a:t>
+              <a:t>그 때에 베드로가 사방으로 두루 다니다가 룻다에 사는 성도들에게도 내려갔더니</a:t>
             </a:r>
           </a:p>
         </p:txBody>
@@ -4192,7 +3804,7 @@
           <a:lstStyle/>
           <a:p>
             <a:r>
-              <a:t>사도행전 8장 28절</a:t>
+              <a:t>사도행전 9장 33절</a:t>
             </a:r>
           </a:p>
         </p:txBody>
@@ -4213,7 +3825,7 @@
           <a:lstStyle/>
           <a:p>
             <a:r>
-              <a:t>돌아가는데 수레를 타고 선지자 이사야의 글을 읽더라</a:t>
+              <a:t>거기서 애니아라 하는 사람을 만나매 그는 중풍병으로 침상 위에 누운 지 여덟 해라</a:t>
             </a:r>
           </a:p>
         </p:txBody>
@@ -4252,7 +3864,7 @@
           <a:lstStyle/>
           <a:p>
             <a:r>
-              <a:t>사도행전 8장 29절</a:t>
+              <a:t>사도행전 9장 34절</a:t>
             </a:r>
           </a:p>
         </p:txBody>
@@ -4273,7 +3885,7 @@
           <a:lstStyle/>
           <a:p>
             <a:r>
-              <a:t>성령이 빌립더러 이르시되 이 수레로 가까이 나아가라 하시거늘</a:t>
+              <a:t>베드로가 이르되 애니아야 예수 그리스도께서 너를 낫게 하시니 일어나 네 자리를 정돈하라 한 대 곧 일어나니</a:t>
             </a:r>
           </a:p>
         </p:txBody>
@@ -4312,7 +3924,7 @@
           <a:lstStyle/>
           <a:p>
             <a:r>
-              <a:t>사도행전 8장 30절</a:t>
+              <a:t>사도행전 9장 35절</a:t>
             </a:r>
           </a:p>
         </p:txBody>
@@ -4333,7 +3945,7 @@
           <a:lstStyle/>
           <a:p>
             <a:r>
-              <a:t>빌립이 달려가서 선지자 이사야의 글 읽는 것을 듣고 말하되 읽는 것을 깨닫느냐</a:t>
+              <a:t>룻다와 사론에 사는 사람들이 다 그를 보고 주께로 돌아오니라</a:t>
             </a:r>
           </a:p>
         </p:txBody>
@@ -4372,7 +3984,7 @@
           <a:lstStyle/>
           <a:p>
             <a:r>
-              <a:t>사도행전 8장 31절</a:t>
+              <a:t>사도행전 9장 36절</a:t>
             </a:r>
           </a:p>
         </p:txBody>
@@ -4393,7 +4005,7 @@
           <a:lstStyle/>
           <a:p>
             <a:r>
-              <a:t>대답하되 지도해 주는 사람이 없으니 어찌 깨달을 수 있느냐 하고 빌립을 청하여 수레에 올라 같이 앉으라 하니라</a:t>
+              <a:t>욥바에 다비다라 하는 여제자가 있으니 그 이름을 번역하면 도르가라 선행과 구제하는 일이 심히 많더니</a:t>
             </a:r>
           </a:p>
         </p:txBody>
@@ -4432,7 +4044,7 @@
           <a:lstStyle/>
           <a:p>
             <a:r>
-              <a:t>사도행전 8장 32절</a:t>
+              <a:t>사도행전 9장 37절</a:t>
             </a:r>
           </a:p>
         </p:txBody>
@@ -4453,7 +4065,7 @@
           <a:lstStyle/>
           <a:p>
             <a:r>
-              <a:t>읽는 성경 구절은 이것이니 일렀으되 그가 도살자에게로 가는 양과 같이 끌려갔고 털 깎는 자 앞에 있는 어린 양이 조용함과 같이 그의 입을 열지 아니하였도다</a:t>
+              <a:t>그 때에 병들어 죽으매 시체를 씻어 다락에 누이니라</a:t>
             </a:r>
           </a:p>
         </p:txBody>
@@ -4492,7 +4104,7 @@
           <a:lstStyle/>
           <a:p>
             <a:r>
-              <a:t>사도행전 8장 33절</a:t>
+              <a:t>사도행전 9장 38절</a:t>
             </a:r>
           </a:p>
         </p:txBody>
@@ -4513,7 +4125,7 @@
           <a:lstStyle/>
           <a:p>
             <a:r>
-              <a:t>그가 굴욕을 당했을 때 공정한 재판도 받지 못하였으니 누가 그의 세대를 말하리요 그의 생명이 땅에서 빼앗김이로다 하였거늘</a:t>
+              <a:t>룻다가 욥바에서 가까운지라 제자들이 베드로가 거기 있음을 듣고 두 사람을 보내어 지체 말고 와 달라고 간청하여</a:t>
             </a:r>
           </a:p>
         </p:txBody>
@@ -4552,7 +4164,7 @@
           <a:lstStyle/>
           <a:p>
             <a:r>
-              <a:t>사도행전 8장 34절</a:t>
+              <a:t>사도행전 9장 39절</a:t>
             </a:r>
           </a:p>
         </p:txBody>
@@ -4573,7 +4185,7 @@
           <a:lstStyle/>
           <a:p>
             <a:r>
-              <a:t>그 내시가 빌립에게 대답하여 말하되 청컨대 내가 묻노니 선지자가 이 말한 것이 누구를 가리킴이냐 자기를 가리킴이냐 타인을 가리킴이냐</a:t>
+              <a:t>베드로가 일어나 그들과 함께 가서 이르매 그들이 데리고 다락방에 올라가니 모든 과부가 베드로 곁에 서서 울며 도르가가 그들과 함께 있을 때에 지은 속옷과 겉옷을 다 내보이거늘</a:t>
             </a:r>
           </a:p>
         </p:txBody>
@@ -5143,6 +4755,21 @@
 </file>
 
 <file path=customXml/item1.xml><?xml version="1.0" encoding="utf-8"?>
+<p:properties xmlns:p="http://schemas.microsoft.com/office/2006/metadata/properties" xmlns:xsi="http://www.w3.org/2001/XMLSchema-instance" xmlns:pc="http://schemas.microsoft.com/office/infopath/2007/PartnerControls">
+  <documentManagement/>
+</p:properties>
+</file>
+
+<file path=customXml/item2.xml><?xml version="1.0" encoding="utf-8"?>
+<?mso-contentType ?>
+<FormTemplates xmlns="http://schemas.microsoft.com/sharepoint/v3/contenttype/forms">
+  <Display>DocumentLibraryForm</Display>
+  <Edit>DocumentLibraryForm</Edit>
+  <New>DocumentLibraryForm</New>
+</FormTemplates>
+</file>
+
+<file path=customXml/item3.xml><?xml version="1.0" encoding="utf-8"?>
 <ct:contentTypeSchema xmlns:ct="http://schemas.microsoft.com/office/2006/metadata/contentType" xmlns:ma="http://schemas.microsoft.com/office/2006/metadata/properties/metaAttributes" ct:_="" ma:_="" ma:contentTypeName="Document" ma:contentTypeID="0x010100C66A408934E3DA40A07120D6CEF0B477" ma:contentTypeVersion="8" ma:contentTypeDescription="Create a new document." ma:contentTypeScope="" ma:versionID="85a59e8546d07f2fc7375d18879ca229">
   <xsd:schema xmlns:xsd="http://www.w3.org/2001/XMLSchema" xmlns:xs="http://www.w3.org/2001/XMLSchema" xmlns:p="http://schemas.microsoft.com/office/2006/metadata/properties" xmlns:ns3="8ba9a3db-de93-440c-bbae-0a8a89899f84" targetNamespace="http://schemas.microsoft.com/office/2006/metadata/properties" ma:root="true" ma:fieldsID="c392e3d24354705c9ed2121e176307bb" ns3:_="">
     <xsd:import namespace="8ba9a3db-de93-440c-bbae-0a8a89899f84"/>
@@ -5312,22 +4939,24 @@
 </ct:contentTypeSchema>
 </file>
 
-<file path=customXml/item2.xml><?xml version="1.0" encoding="utf-8"?>
-<?mso-contentType ?>
-<FormTemplates xmlns="http://schemas.microsoft.com/sharepoint/v3/contenttype/forms">
-  <Display>DocumentLibraryForm</Display>
-  <Edit>DocumentLibraryForm</Edit>
-  <New>DocumentLibraryForm</New>
-</FormTemplates>
+<file path=customXml/itemProps1.xml><?xml version="1.0" encoding="utf-8"?>
+<ds:datastoreItem xmlns:ds="http://schemas.openxmlformats.org/officeDocument/2006/customXml" ds:itemID="{A02EB7C4-4310-4680-93C1-B481FAF635CC}">
+  <ds:schemaRefs>
+    <ds:schemaRef ds:uri="http://schemas.microsoft.com/office/2006/metadata/properties"/>
+    <ds:schemaRef ds:uri="http://schemas.microsoft.com/office/infopath/2007/PartnerControls"/>
+  </ds:schemaRefs>
+</ds:datastoreItem>
 </file>
 
-<file path=customXml/item3.xml><?xml version="1.0" encoding="utf-8"?>
-<p:properties xmlns:p="http://schemas.microsoft.com/office/2006/metadata/properties" xmlns:xsi="http://www.w3.org/2001/XMLSchema-instance" xmlns:pc="http://schemas.microsoft.com/office/infopath/2007/PartnerControls">
-  <documentManagement/>
-</p:properties>
+<file path=customXml/itemProps2.xml><?xml version="1.0" encoding="utf-8"?>
+<ds:datastoreItem xmlns:ds="http://schemas.openxmlformats.org/officeDocument/2006/customXml" ds:itemID="{8B4ADA29-D481-47EB-B5D2-35038A2332BB}">
+  <ds:schemaRefs>
+    <ds:schemaRef ds:uri="http://schemas.microsoft.com/sharepoint/v3/contenttype/forms"/>
+  </ds:schemaRefs>
+</ds:datastoreItem>
 </file>
 
-<file path=customXml/itemProps1.xml><?xml version="1.0" encoding="utf-8"?>
+<file path=customXml/itemProps3.xml><?xml version="1.0" encoding="utf-8"?>
 <ds:datastoreItem xmlns:ds="http://schemas.openxmlformats.org/officeDocument/2006/customXml" ds:itemID="{C9FCAA67-88EA-41B6-AE42-AB901667259C}">
   <ds:schemaRefs>
     <ds:schemaRef ds:uri="http://schemas.microsoft.com/office/2006/metadata/contentType"/>
@@ -5343,21 +4972,4 @@
     <ds:schemaRef ds:uri="http://schemas.microsoft.com/internal/obd"/>
   </ds:schemaRefs>
 </ds:datastoreItem>
-</file>
-
-<file path=customXml/itemProps2.xml><?xml version="1.0" encoding="utf-8"?>
-<ds:datastoreItem xmlns:ds="http://schemas.openxmlformats.org/officeDocument/2006/customXml" ds:itemID="{8B4ADA29-D481-47EB-B5D2-35038A2332BB}">
-  <ds:schemaRefs>
-    <ds:schemaRef ds:uri="http://schemas.microsoft.com/sharepoint/v3/contenttype/forms"/>
-  </ds:schemaRefs>
-</ds:datastoreItem>
-</file>
-
-<file path=customXml/itemProps3.xml><?xml version="1.0" encoding="utf-8"?>
-<ds:datastoreItem xmlns:ds="http://schemas.openxmlformats.org/officeDocument/2006/customXml" ds:itemID="{A02EB7C4-4310-4680-93C1-B481FAF635CC}">
-  <ds:schemaRefs>
-    <ds:schemaRef ds:uri="http://schemas.microsoft.com/office/2006/metadata/properties"/>
-    <ds:schemaRef ds:uri="http://schemas.microsoft.com/office/infopath/2007/PartnerControls"/>
-  </ds:schemaRefs>
-</ds:datastoreItem>
 </file>